--- a/docs/flowcharts.pptx
+++ b/docs/flowcharts.pptx
@@ -6,6 +6,7 @@
   </p:sldMasterIdLst>
   <p:sldIdLst>
     <p:sldId id="256" r:id="rId2"/>
+    <p:sldId id="257" r:id="rId3"/>
   </p:sldIdLst>
   <p:sldSz cx="12192000" cy="6858000"/>
   <p:notesSz cx="6858000" cy="9144000"/>
@@ -259,7 +260,7 @@
           <a:p>
             <a:fld id="{56A52284-4F88-684B-B211-7D10E157D84B}" type="datetimeFigureOut">
               <a:rPr lang="en-US" smtClean="0"/>
-              <a:t>2/20/23</a:t>
+              <a:t>3/10/23</a:t>
             </a:fld>
             <a:endParaRPr lang="en-US"/>
           </a:p>
@@ -457,7 +458,7 @@
           <a:p>
             <a:fld id="{56A52284-4F88-684B-B211-7D10E157D84B}" type="datetimeFigureOut">
               <a:rPr lang="en-US" smtClean="0"/>
-              <a:t>2/20/23</a:t>
+              <a:t>3/10/23</a:t>
             </a:fld>
             <a:endParaRPr lang="en-US"/>
           </a:p>
@@ -665,7 +666,7 @@
           <a:p>
             <a:fld id="{56A52284-4F88-684B-B211-7D10E157D84B}" type="datetimeFigureOut">
               <a:rPr lang="en-US" smtClean="0"/>
-              <a:t>2/20/23</a:t>
+              <a:t>3/10/23</a:t>
             </a:fld>
             <a:endParaRPr lang="en-US"/>
           </a:p>
@@ -863,7 +864,7 @@
           <a:p>
             <a:fld id="{56A52284-4F88-684B-B211-7D10E157D84B}" type="datetimeFigureOut">
               <a:rPr lang="en-US" smtClean="0"/>
-              <a:t>2/20/23</a:t>
+              <a:t>3/10/23</a:t>
             </a:fld>
             <a:endParaRPr lang="en-US"/>
           </a:p>
@@ -1138,7 +1139,7 @@
           <a:p>
             <a:fld id="{56A52284-4F88-684B-B211-7D10E157D84B}" type="datetimeFigureOut">
               <a:rPr lang="en-US" smtClean="0"/>
-              <a:t>2/20/23</a:t>
+              <a:t>3/10/23</a:t>
             </a:fld>
             <a:endParaRPr lang="en-US"/>
           </a:p>
@@ -1403,7 +1404,7 @@
           <a:p>
             <a:fld id="{56A52284-4F88-684B-B211-7D10E157D84B}" type="datetimeFigureOut">
               <a:rPr lang="en-US" smtClean="0"/>
-              <a:t>2/20/23</a:t>
+              <a:t>3/10/23</a:t>
             </a:fld>
             <a:endParaRPr lang="en-US"/>
           </a:p>
@@ -1815,7 +1816,7 @@
           <a:p>
             <a:fld id="{56A52284-4F88-684B-B211-7D10E157D84B}" type="datetimeFigureOut">
               <a:rPr lang="en-US" smtClean="0"/>
-              <a:t>2/20/23</a:t>
+              <a:t>3/10/23</a:t>
             </a:fld>
             <a:endParaRPr lang="en-US"/>
           </a:p>
@@ -1956,7 +1957,7 @@
           <a:p>
             <a:fld id="{56A52284-4F88-684B-B211-7D10E157D84B}" type="datetimeFigureOut">
               <a:rPr lang="en-US" smtClean="0"/>
-              <a:t>2/20/23</a:t>
+              <a:t>3/10/23</a:t>
             </a:fld>
             <a:endParaRPr lang="en-US"/>
           </a:p>
@@ -2069,7 +2070,7 @@
           <a:p>
             <a:fld id="{56A52284-4F88-684B-B211-7D10E157D84B}" type="datetimeFigureOut">
               <a:rPr lang="en-US" smtClean="0"/>
-              <a:t>2/20/23</a:t>
+              <a:t>3/10/23</a:t>
             </a:fld>
             <a:endParaRPr lang="en-US"/>
           </a:p>
@@ -2380,7 +2381,7 @@
           <a:p>
             <a:fld id="{56A52284-4F88-684B-B211-7D10E157D84B}" type="datetimeFigureOut">
               <a:rPr lang="en-US" smtClean="0"/>
-              <a:t>2/20/23</a:t>
+              <a:t>3/10/23</a:t>
             </a:fld>
             <a:endParaRPr lang="en-US"/>
           </a:p>
@@ -2671,7 +2672,7 @@
           <a:p>
             <a:fld id="{56A52284-4F88-684B-B211-7D10E157D84B}" type="datetimeFigureOut">
               <a:rPr lang="en-US" smtClean="0"/>
-              <a:t>2/20/23</a:t>
+              <a:t>3/10/23</a:t>
             </a:fld>
             <a:endParaRPr lang="en-US"/>
           </a:p>
@@ -2914,7 +2915,7 @@
             <a:fld id="{56A52284-4F88-684B-B211-7D10E157D84B}" type="datetimeFigureOut">
               <a:rPr lang="en-US" smtClean="0"/>
               <a:pPr/>
-              <a:t>2/20/23</a:t>
+              <a:t>3/10/23</a:t>
             </a:fld>
             <a:endParaRPr lang="en-US"/>
           </a:p>
@@ -3926,127 +3927,6 @@
       </p:sp>
       <p:sp>
         <p:nvSpPr>
-          <p:cNvPr id="44" name="Rectangle 43">
-            <a:extLst>
-              <a:ext uri="{FF2B5EF4-FFF2-40B4-BE49-F238E27FC236}">
-                <a16:creationId xmlns:a16="http://schemas.microsoft.com/office/drawing/2014/main" id="{7984FA52-7314-EC0A-2660-EDF69A6965B3}"/>
-              </a:ext>
-            </a:extLst>
-          </p:cNvPr>
-          <p:cNvSpPr/>
-          <p:nvPr/>
-        </p:nvSpPr>
-        <p:spPr>
-          <a:xfrm>
-            <a:off x="7270577" y="3330126"/>
-            <a:ext cx="2651233" cy="441434"/>
-          </a:xfrm>
-          <a:prstGeom prst="rect">
-            <a:avLst/>
-          </a:prstGeom>
-          <a:solidFill>
-            <a:schemeClr val="accent3"/>
-          </a:solidFill>
-          <a:ln>
-            <a:noFill/>
-          </a:ln>
-        </p:spPr>
-        <p:style>
-          <a:lnRef idx="2">
-            <a:schemeClr val="accent1">
-              <a:shade val="50000"/>
-            </a:schemeClr>
-          </a:lnRef>
-          <a:fillRef idx="1">
-            <a:schemeClr val="accent1"/>
-          </a:fillRef>
-          <a:effectRef idx="0">
-            <a:schemeClr val="accent1"/>
-          </a:effectRef>
-          <a:fontRef idx="minor">
-            <a:schemeClr val="lt1"/>
-          </a:fontRef>
-        </p:style>
-        <p:txBody>
-          <a:bodyPr rtlCol="0" anchor="ctr"/>
-          <a:lstStyle/>
-          <a:p>
-            <a:pPr algn="ctr"/>
-            <a:r>
-              <a:rPr lang="en-US" sz="1200" dirty="0">
-                <a:latin typeface="Fira Code" panose="020B0809050000020004" pitchFamily="49" charset="0"/>
-                <a:ea typeface="Fira Code" panose="020B0809050000020004" pitchFamily="49" charset="0"/>
-              </a:rPr>
-              <a:t>03_calculate_phers.R</a:t>
-            </a:r>
-          </a:p>
-        </p:txBody>
-      </p:sp>
-      <p:sp>
-        <p:nvSpPr>
-          <p:cNvPr id="45" name="Rounded Rectangle 44">
-            <a:extLst>
-              <a:ext uri="{FF2B5EF4-FFF2-40B4-BE49-F238E27FC236}">
-                <a16:creationId xmlns:a16="http://schemas.microsoft.com/office/drawing/2014/main" id="{DDED455B-7599-198A-0E54-37BCB928A112}"/>
-              </a:ext>
-            </a:extLst>
-          </p:cNvPr>
-          <p:cNvSpPr/>
-          <p:nvPr/>
-        </p:nvSpPr>
-        <p:spPr>
-          <a:xfrm>
-            <a:off x="7669436" y="3380923"/>
-            <a:ext cx="1853514" cy="339840"/>
-          </a:xfrm>
-          <a:prstGeom prst="roundRect">
-            <a:avLst/>
-          </a:prstGeom>
-          <a:solidFill>
-            <a:srgbClr val="FF0000">
-              <a:alpha val="50000"/>
-            </a:srgbClr>
-          </a:solidFill>
-          <a:ln w="28575">
-            <a:solidFill>
-              <a:srgbClr val="FF0000"/>
-            </a:solidFill>
-            <a:prstDash val="dash"/>
-          </a:ln>
-        </p:spPr>
-        <p:style>
-          <a:lnRef idx="2">
-            <a:schemeClr val="accent1">
-              <a:shade val="50000"/>
-            </a:schemeClr>
-          </a:lnRef>
-          <a:fillRef idx="1">
-            <a:schemeClr val="accent1"/>
-          </a:fillRef>
-          <a:effectRef idx="0">
-            <a:schemeClr val="accent1"/>
-          </a:effectRef>
-          <a:fontRef idx="minor">
-            <a:schemeClr val="lt1"/>
-          </a:fontRef>
-        </p:style>
-        <p:txBody>
-          <a:bodyPr rtlCol="0" anchor="ctr"/>
-          <a:lstStyle/>
-          <a:p>
-            <a:pPr algn="ctr"/>
-            <a:r>
-              <a:rPr lang="en-US" sz="1200" dirty="0">
-                <a:latin typeface="Fira Code" panose="020B0809050000020004" pitchFamily="49" charset="0"/>
-                <a:ea typeface="Fira Code" panose="020B0809050000020004" pitchFamily="49" charset="0"/>
-              </a:rPr>
-              <a:t>Deprecated?</a:t>
-            </a:r>
-          </a:p>
-        </p:txBody>
-      </p:sp>
-      <p:sp>
-        <p:nvSpPr>
           <p:cNvPr id="46" name="Rectangle 45">
             <a:extLst>
               <a:ext uri="{FF2B5EF4-FFF2-40B4-BE49-F238E27FC236}">
@@ -4147,108 +4027,6 @@
           </a:fontRef>
         </p:style>
       </p:cxnSp>
-      <p:sp>
-        <p:nvSpPr>
-          <p:cNvPr id="55" name="Rectangle 54">
-            <a:extLst>
-              <a:ext uri="{FF2B5EF4-FFF2-40B4-BE49-F238E27FC236}">
-                <a16:creationId xmlns:a16="http://schemas.microsoft.com/office/drawing/2014/main" id="{FC66A004-358A-DEEE-E495-9D5E9CDFA221}"/>
-              </a:ext>
-            </a:extLst>
-          </p:cNvPr>
-          <p:cNvSpPr/>
-          <p:nvPr/>
-        </p:nvSpPr>
-        <p:spPr>
-          <a:xfrm>
-            <a:off x="1184833" y="2271984"/>
-            <a:ext cx="2651233" cy="441434"/>
-          </a:xfrm>
-          <a:prstGeom prst="rect">
-            <a:avLst/>
-          </a:prstGeom>
-          <a:solidFill>
-            <a:schemeClr val="accent2">
-              <a:alpha val="80000"/>
-            </a:schemeClr>
-          </a:solidFill>
-          <a:ln w="31750">
-            <a:solidFill>
-              <a:schemeClr val="accent2"/>
-            </a:solidFill>
-            <a:prstDash val="dash"/>
-          </a:ln>
-        </p:spPr>
-        <p:style>
-          <a:lnRef idx="2">
-            <a:schemeClr val="accent1">
-              <a:shade val="50000"/>
-            </a:schemeClr>
-          </a:lnRef>
-          <a:fillRef idx="1">
-            <a:schemeClr val="accent1"/>
-          </a:fillRef>
-          <a:effectRef idx="0">
-            <a:schemeClr val="accent1"/>
-          </a:effectRef>
-          <a:fontRef idx="minor">
-            <a:schemeClr val="lt1"/>
-          </a:fontRef>
-        </p:style>
-        <p:txBody>
-          <a:bodyPr rtlCol="0" anchor="ctr"/>
-          <a:lstStyle/>
-          <a:p>
-            <a:pPr algn="ctr"/>
-            <a:r>
-              <a:rPr lang="en-US" sz="1200" dirty="0">
-                <a:latin typeface="Fira Code" panose="020B0809050000020004" pitchFamily="49" charset="0"/>
-                <a:ea typeface="Fira Code" panose="020B0809050000020004" pitchFamily="49" charset="0"/>
-              </a:rPr>
-              <a:t>02_one-stop_approaches.R</a:t>
-            </a:r>
-          </a:p>
-        </p:txBody>
-      </p:sp>
-      <p:sp>
-        <p:nvSpPr>
-          <p:cNvPr id="64" name="TextBox 63">
-            <a:extLst>
-              <a:ext uri="{FF2B5EF4-FFF2-40B4-BE49-F238E27FC236}">
-                <a16:creationId xmlns:a16="http://schemas.microsoft.com/office/drawing/2014/main" id="{427F7FBA-89D0-2CFF-5631-434B31323DB7}"/>
-              </a:ext>
-            </a:extLst>
-          </p:cNvPr>
-          <p:cNvSpPr txBox="1"/>
-          <p:nvPr/>
-        </p:nvSpPr>
-        <p:spPr>
-          <a:xfrm>
-            <a:off x="1749510" y="2029705"/>
-            <a:ext cx="1865960" cy="246221"/>
-          </a:xfrm>
-          <a:prstGeom prst="rect">
-            <a:avLst/>
-          </a:prstGeom>
-          <a:noFill/>
-        </p:spPr>
-        <p:txBody>
-          <a:bodyPr wrap="square" rtlCol="0">
-            <a:spAutoFit/>
-          </a:bodyPr>
-          <a:lstStyle/>
-          <a:p>
-            <a:pPr algn="ctr"/>
-            <a:r>
-              <a:rPr lang="en-US" sz="1000" b="1" dirty="0">
-                <a:latin typeface="Fira Code" panose="020B0809050000020004" pitchFamily="49" charset="0"/>
-                <a:ea typeface="Fira Code" panose="020B0809050000020004" pitchFamily="49" charset="0"/>
-              </a:rPr>
-              <a:t>~*FORTHCOMING*~</a:t>
-            </a:r>
-          </a:p>
-        </p:txBody>
-      </p:sp>
       <p:sp>
         <p:nvSpPr>
           <p:cNvPr id="69" name="TextBox 68">
@@ -4686,10 +4464,3632 @@
           </a:p>
         </p:txBody>
       </p:sp>
+      <p:sp>
+        <p:nvSpPr>
+          <p:cNvPr id="5" name="Rectangle 4">
+            <a:extLst>
+              <a:ext uri="{FF2B5EF4-FFF2-40B4-BE49-F238E27FC236}">
+                <a16:creationId xmlns:a16="http://schemas.microsoft.com/office/drawing/2014/main" id="{10F17DDC-135B-3497-17B7-E43776964D23}"/>
+              </a:ext>
+            </a:extLst>
+          </p:cNvPr>
+          <p:cNvSpPr/>
+          <p:nvPr/>
+        </p:nvSpPr>
+        <p:spPr>
+          <a:xfrm>
+            <a:off x="1184833" y="2266674"/>
+            <a:ext cx="2651233" cy="995222"/>
+          </a:xfrm>
+          <a:prstGeom prst="rect">
+            <a:avLst/>
+          </a:prstGeom>
+          <a:solidFill>
+            <a:schemeClr val="accent2">
+              <a:alpha val="80000"/>
+            </a:schemeClr>
+          </a:solidFill>
+          <a:ln w="31750">
+            <a:solidFill>
+              <a:schemeClr val="accent2"/>
+            </a:solidFill>
+            <a:prstDash val="dash"/>
+          </a:ln>
+        </p:spPr>
+        <p:style>
+          <a:lnRef idx="2">
+            <a:schemeClr val="accent1">
+              <a:shade val="50000"/>
+            </a:schemeClr>
+          </a:lnRef>
+          <a:fillRef idx="1">
+            <a:schemeClr val="accent1"/>
+          </a:fillRef>
+          <a:effectRef idx="0">
+            <a:schemeClr val="accent1"/>
+          </a:effectRef>
+          <a:fontRef idx="minor">
+            <a:schemeClr val="lt1"/>
+          </a:fontRef>
+        </p:style>
+        <p:txBody>
+          <a:bodyPr rtlCol="0" anchor="ctr"/>
+          <a:lstStyle/>
+          <a:p>
+            <a:pPr algn="ctr"/>
+            <a:r>
+              <a:rPr lang="en-US" sz="1200" dirty="0">
+                <a:latin typeface="Fira Code" panose="020B0809050000020004" pitchFamily="49" charset="0"/>
+                <a:ea typeface="Fira Code" panose="020B0809050000020004" pitchFamily="49" charset="0"/>
+              </a:rPr>
+              <a:t>one-stop approaches</a:t>
+            </a:r>
+          </a:p>
+          <a:p>
+            <a:pPr algn="ctr"/>
+            <a:r>
+              <a:rPr lang="en-US" sz="1200" dirty="0">
+                <a:latin typeface="Fira Code" panose="020B0809050000020004" pitchFamily="49" charset="0"/>
+                <a:ea typeface="Fira Code" panose="020B0809050000020004" pitchFamily="49" charset="0"/>
+              </a:rPr>
+              <a:t>02_random_forest.R</a:t>
+            </a:r>
+          </a:p>
+          <a:p>
+            <a:pPr algn="ctr"/>
+            <a:r>
+              <a:rPr lang="en-US" sz="1200" dirty="0">
+                <a:latin typeface="Fira Code" panose="020B0809050000020004" pitchFamily="49" charset="0"/>
+                <a:ea typeface="Fira Code" panose="020B0809050000020004" pitchFamily="49" charset="0"/>
+              </a:rPr>
+              <a:t>02_super_learner.R</a:t>
+            </a:r>
+          </a:p>
+          <a:p>
+            <a:pPr algn="ctr"/>
+            <a:r>
+              <a:rPr lang="en-US" sz="1200" dirty="0">
+                <a:latin typeface="Fira Code" panose="020B0809050000020004" pitchFamily="49" charset="0"/>
+                <a:ea typeface="Fira Code" panose="020B0809050000020004" pitchFamily="49" charset="0"/>
+              </a:rPr>
+              <a:t>02_group_lasso.R</a:t>
+            </a:r>
+          </a:p>
+        </p:txBody>
+      </p:sp>
     </p:spTree>
     <p:extLst>
       <p:ext uri="{BB962C8B-B14F-4D97-AF65-F5344CB8AC3E}">
         <p14:creationId xmlns:p14="http://schemas.microsoft.com/office/powerpoint/2010/main" val="2585739203"/>
+      </p:ext>
+    </p:extLst>
+  </p:cSld>
+  <p:clrMapOvr>
+    <a:masterClrMapping/>
+  </p:clrMapOvr>
+</p:sld>
+</file>
+
+<file path=ppt/slides/slide2.xml><?xml version="1.0" encoding="utf-8"?>
+<p:sld xmlns:a="http://schemas.openxmlformats.org/drawingml/2006/main" xmlns:r="http://schemas.openxmlformats.org/officeDocument/2006/relationships" xmlns:p="http://schemas.openxmlformats.org/presentationml/2006/main">
+  <p:cSld>
+    <p:spTree>
+      <p:nvGrpSpPr>
+        <p:cNvPr id="1" name=""/>
+        <p:cNvGrpSpPr/>
+        <p:nvPr/>
+      </p:nvGrpSpPr>
+      <p:grpSpPr>
+        <a:xfrm>
+          <a:off x="0" y="0"/>
+          <a:ext cx="0" cy="0"/>
+          <a:chOff x="0" y="0"/>
+          <a:chExt cx="0" cy="0"/>
+        </a:xfrm>
+      </p:grpSpPr>
+      <p:sp>
+        <p:nvSpPr>
+          <p:cNvPr id="2" name="Rounded Rectangle 1">
+            <a:extLst>
+              <a:ext uri="{FF2B5EF4-FFF2-40B4-BE49-F238E27FC236}">
+                <a16:creationId xmlns:a16="http://schemas.microsoft.com/office/drawing/2014/main" id="{CAF9F06F-FFC0-6D98-8C09-D2BC62B773BB}"/>
+              </a:ext>
+            </a:extLst>
+          </p:cNvPr>
+          <p:cNvSpPr/>
+          <p:nvPr/>
+        </p:nvSpPr>
+        <p:spPr>
+          <a:xfrm>
+            <a:off x="167196" y="1070161"/>
+            <a:ext cx="5852160" cy="4190955"/>
+          </a:xfrm>
+          <a:prstGeom prst="roundRect">
+            <a:avLst>
+              <a:gd name="adj" fmla="val 2853"/>
+            </a:avLst>
+          </a:prstGeom>
+          <a:solidFill>
+            <a:schemeClr val="accent1">
+              <a:lumMod val="20000"/>
+              <a:lumOff val="80000"/>
+            </a:schemeClr>
+          </a:solidFill>
+          <a:ln>
+            <a:noFill/>
+          </a:ln>
+        </p:spPr>
+        <p:style>
+          <a:lnRef idx="2">
+            <a:schemeClr val="accent1">
+              <a:shade val="50000"/>
+            </a:schemeClr>
+          </a:lnRef>
+          <a:fillRef idx="1">
+            <a:schemeClr val="accent1"/>
+          </a:fillRef>
+          <a:effectRef idx="0">
+            <a:schemeClr val="accent1"/>
+          </a:effectRef>
+          <a:fontRef idx="minor">
+            <a:schemeClr val="lt1"/>
+          </a:fontRef>
+        </p:style>
+        <p:txBody>
+          <a:bodyPr rtlCol="0" anchor="ctr"/>
+          <a:lstStyle/>
+          <a:p>
+            <a:pPr algn="ctr"/>
+            <a:endParaRPr lang="en-US" dirty="0"/>
+          </a:p>
+        </p:txBody>
+      </p:sp>
+      <p:sp>
+        <p:nvSpPr>
+          <p:cNvPr id="3" name="Rounded Rectangle 2">
+            <a:extLst>
+              <a:ext uri="{FF2B5EF4-FFF2-40B4-BE49-F238E27FC236}">
+                <a16:creationId xmlns:a16="http://schemas.microsoft.com/office/drawing/2014/main" id="{E7F9569C-1EA8-D3F8-0195-6DB91F69BF3E}"/>
+              </a:ext>
+            </a:extLst>
+          </p:cNvPr>
+          <p:cNvSpPr/>
+          <p:nvPr/>
+        </p:nvSpPr>
+        <p:spPr>
+          <a:xfrm>
+            <a:off x="6168888" y="1070162"/>
+            <a:ext cx="5852160" cy="4973831"/>
+          </a:xfrm>
+          <a:prstGeom prst="roundRect">
+            <a:avLst>
+              <a:gd name="adj" fmla="val 2853"/>
+            </a:avLst>
+          </a:prstGeom>
+          <a:solidFill>
+            <a:schemeClr val="accent6">
+              <a:lumMod val="20000"/>
+              <a:lumOff val="80000"/>
+            </a:schemeClr>
+          </a:solidFill>
+          <a:ln>
+            <a:noFill/>
+          </a:ln>
+        </p:spPr>
+        <p:style>
+          <a:lnRef idx="2">
+            <a:schemeClr val="accent1">
+              <a:shade val="50000"/>
+            </a:schemeClr>
+          </a:lnRef>
+          <a:fillRef idx="1">
+            <a:schemeClr val="accent1"/>
+          </a:fillRef>
+          <a:effectRef idx="0">
+            <a:schemeClr val="accent1"/>
+          </a:effectRef>
+          <a:fontRef idx="minor">
+            <a:schemeClr val="lt1"/>
+          </a:fontRef>
+        </p:style>
+        <p:txBody>
+          <a:bodyPr rtlCol="0" anchor="ctr"/>
+          <a:lstStyle/>
+          <a:p>
+            <a:pPr algn="ctr"/>
+            <a:endParaRPr lang="en-US"/>
+          </a:p>
+        </p:txBody>
+      </p:sp>
+      <p:sp>
+        <p:nvSpPr>
+          <p:cNvPr id="4" name="TextBox 3">
+            <a:extLst>
+              <a:ext uri="{FF2B5EF4-FFF2-40B4-BE49-F238E27FC236}">
+                <a16:creationId xmlns:a16="http://schemas.microsoft.com/office/drawing/2014/main" id="{2B3E5728-4D22-423C-4CDE-03366B954263}"/>
+              </a:ext>
+            </a:extLst>
+          </p:cNvPr>
+          <p:cNvSpPr txBox="1"/>
+          <p:nvPr/>
+        </p:nvSpPr>
+        <p:spPr>
+          <a:xfrm>
+            <a:off x="1836361" y="1070162"/>
+            <a:ext cx="2339102" cy="369332"/>
+          </a:xfrm>
+          <a:prstGeom prst="rect">
+            <a:avLst/>
+          </a:prstGeom>
+          <a:noFill/>
+        </p:spPr>
+        <p:txBody>
+          <a:bodyPr wrap="none" rtlCol="0">
+            <a:spAutoFit/>
+          </a:bodyPr>
+          <a:lstStyle/>
+          <a:p>
+            <a:r>
+              <a:rPr lang="en-US" dirty="0">
+                <a:latin typeface="Lato" panose="020F0502020204030203" pitchFamily="34" charset="77"/>
+              </a:rPr>
+              <a:t>One-step approaches</a:t>
+            </a:r>
+          </a:p>
+        </p:txBody>
+      </p:sp>
+      <p:sp>
+        <p:nvSpPr>
+          <p:cNvPr id="5" name="TextBox 4">
+            <a:extLst>
+              <a:ext uri="{FF2B5EF4-FFF2-40B4-BE49-F238E27FC236}">
+                <a16:creationId xmlns:a16="http://schemas.microsoft.com/office/drawing/2014/main" id="{12BBB748-92A4-D4AE-5BDF-5C1B42362139}"/>
+              </a:ext>
+            </a:extLst>
+          </p:cNvPr>
+          <p:cNvSpPr txBox="1"/>
+          <p:nvPr/>
+        </p:nvSpPr>
+        <p:spPr>
+          <a:xfrm>
+            <a:off x="7875724" y="1070162"/>
+            <a:ext cx="2438488" cy="369332"/>
+          </a:xfrm>
+          <a:prstGeom prst="rect">
+            <a:avLst/>
+          </a:prstGeom>
+          <a:noFill/>
+        </p:spPr>
+        <p:txBody>
+          <a:bodyPr wrap="none" rtlCol="0">
+            <a:spAutoFit/>
+          </a:bodyPr>
+          <a:lstStyle/>
+          <a:p>
+            <a:r>
+              <a:rPr lang="en-US" dirty="0">
+                <a:latin typeface="Lato" panose="020F0502020204030203" pitchFamily="34" charset="77"/>
+              </a:rPr>
+              <a:t>Two-step approaches</a:t>
+            </a:r>
+          </a:p>
+        </p:txBody>
+      </p:sp>
+      <p:sp>
+        <p:nvSpPr>
+          <p:cNvPr id="6" name="Rounded Rectangle 5">
+            <a:extLst>
+              <a:ext uri="{FF2B5EF4-FFF2-40B4-BE49-F238E27FC236}">
+                <a16:creationId xmlns:a16="http://schemas.microsoft.com/office/drawing/2014/main" id="{5A389CE2-560B-C9CC-BE7E-90A70BBE4350}"/>
+              </a:ext>
+            </a:extLst>
+          </p:cNvPr>
+          <p:cNvSpPr/>
+          <p:nvPr/>
+        </p:nvSpPr>
+        <p:spPr>
+          <a:xfrm>
+            <a:off x="4173992" y="28705"/>
+            <a:ext cx="1845364" cy="576470"/>
+          </a:xfrm>
+          <a:prstGeom prst="roundRect">
+            <a:avLst/>
+          </a:prstGeom>
+          <a:ln>
+            <a:noFill/>
+          </a:ln>
+        </p:spPr>
+        <p:style>
+          <a:lnRef idx="2">
+            <a:schemeClr val="accent4">
+              <a:shade val="50000"/>
+            </a:schemeClr>
+          </a:lnRef>
+          <a:fillRef idx="1">
+            <a:schemeClr val="accent4"/>
+          </a:fillRef>
+          <a:effectRef idx="0">
+            <a:schemeClr val="accent4"/>
+          </a:effectRef>
+          <a:fontRef idx="minor">
+            <a:schemeClr val="lt1"/>
+          </a:fontRef>
+        </p:style>
+        <p:txBody>
+          <a:bodyPr rtlCol="0" anchor="ctr"/>
+          <a:lstStyle/>
+          <a:p>
+            <a:pPr algn="ctr"/>
+            <a:r>
+              <a:rPr lang="en-US" dirty="0">
+                <a:latin typeface="Lato" panose="020F0502020204030203" pitchFamily="34" charset="77"/>
+              </a:rPr>
+              <a:t>MGI</a:t>
+            </a:r>
+          </a:p>
+        </p:txBody>
+      </p:sp>
+      <p:sp>
+        <p:nvSpPr>
+          <p:cNvPr id="9" name="Rounded Rectangle 8">
+            <a:extLst>
+              <a:ext uri="{FF2B5EF4-FFF2-40B4-BE49-F238E27FC236}">
+                <a16:creationId xmlns:a16="http://schemas.microsoft.com/office/drawing/2014/main" id="{54FE7873-1976-92F8-094A-C4E233E90907}"/>
+              </a:ext>
+            </a:extLst>
+          </p:cNvPr>
+          <p:cNvSpPr/>
+          <p:nvPr/>
+        </p:nvSpPr>
+        <p:spPr>
+          <a:xfrm>
+            <a:off x="2178876" y="2932310"/>
+            <a:ext cx="1828800" cy="2095641"/>
+          </a:xfrm>
+          <a:prstGeom prst="roundRect">
+            <a:avLst/>
+          </a:prstGeom>
+          <a:ln>
+            <a:noFill/>
+          </a:ln>
+        </p:spPr>
+        <p:style>
+          <a:lnRef idx="2">
+            <a:schemeClr val="accent1">
+              <a:shade val="50000"/>
+            </a:schemeClr>
+          </a:lnRef>
+          <a:fillRef idx="1">
+            <a:schemeClr val="accent1"/>
+          </a:fillRef>
+          <a:effectRef idx="0">
+            <a:schemeClr val="accent1"/>
+          </a:effectRef>
+          <a:fontRef idx="minor">
+            <a:schemeClr val="lt1"/>
+          </a:fontRef>
+        </p:style>
+        <p:txBody>
+          <a:bodyPr rtlCol="0" anchor="t"/>
+          <a:lstStyle/>
+          <a:p>
+            <a:pPr algn="ctr"/>
+            <a:r>
+              <a:rPr lang="en-US" dirty="0" err="1">
+                <a:latin typeface="Lato" panose="020F0502020204030203" pitchFamily="34" charset="77"/>
+              </a:rPr>
+              <a:t>SuperLearner</a:t>
+            </a:r>
+            <a:endParaRPr lang="en-US" dirty="0">
+              <a:latin typeface="Lato" panose="020F0502020204030203" pitchFamily="34" charset="77"/>
+            </a:endParaRPr>
+          </a:p>
+          <a:p>
+            <a:pPr algn="ctr"/>
+            <a:endParaRPr lang="en-US" dirty="0">
+              <a:latin typeface="Lato" panose="020F0502020204030203" pitchFamily="34" charset="77"/>
+            </a:endParaRPr>
+          </a:p>
+          <a:p>
+            <a:pPr marL="117475" indent="-117475">
+              <a:buFont typeface="Arial" panose="020B0604020202020204" pitchFamily="34" charset="0"/>
+              <a:buChar char="•"/>
+            </a:pPr>
+            <a:r>
+              <a:rPr lang="en-US" sz="1200" dirty="0">
+                <a:solidFill>
+                  <a:schemeClr val="bg1"/>
+                </a:solidFill>
+                <a:latin typeface="Lato" panose="020F0502020204030203" pitchFamily="34" charset="77"/>
+              </a:rPr>
+              <a:t>Logistic regression, LASSO, random forest, </a:t>
+            </a:r>
+            <a:r>
+              <a:rPr lang="en-US" sz="1200" dirty="0" err="1">
+                <a:solidFill>
+                  <a:schemeClr val="bg1"/>
+                </a:solidFill>
+                <a:latin typeface="Lato" panose="020F0502020204030203" pitchFamily="34" charset="77"/>
+              </a:rPr>
+              <a:t>XGBoost</a:t>
+            </a:r>
+            <a:r>
+              <a:rPr lang="en-US" sz="1200" dirty="0">
+                <a:solidFill>
+                  <a:schemeClr val="bg1"/>
+                </a:solidFill>
+                <a:latin typeface="Lato" panose="020F0502020204030203" pitchFamily="34" charset="77"/>
+              </a:rPr>
+              <a:t>, support vector machine, default settings and 5-fold cross validation</a:t>
+            </a:r>
+          </a:p>
+          <a:p>
+            <a:pPr algn="ctr"/>
+            <a:endParaRPr lang="en-US" dirty="0">
+              <a:latin typeface="Lato" panose="020F0502020204030203" pitchFamily="34" charset="77"/>
+            </a:endParaRPr>
+          </a:p>
+        </p:txBody>
+      </p:sp>
+      <p:sp>
+        <p:nvSpPr>
+          <p:cNvPr id="10" name="Rounded Rectangle 9">
+            <a:extLst>
+              <a:ext uri="{FF2B5EF4-FFF2-40B4-BE49-F238E27FC236}">
+                <a16:creationId xmlns:a16="http://schemas.microsoft.com/office/drawing/2014/main" id="{03B3DE9E-8D13-C3C5-8393-759B41646951}"/>
+              </a:ext>
+            </a:extLst>
+          </p:cNvPr>
+          <p:cNvSpPr/>
+          <p:nvPr/>
+        </p:nvSpPr>
+        <p:spPr>
+          <a:xfrm>
+            <a:off x="258636" y="2932311"/>
+            <a:ext cx="1828800" cy="2095640"/>
+          </a:xfrm>
+          <a:prstGeom prst="roundRect">
+            <a:avLst/>
+          </a:prstGeom>
+          <a:ln>
+            <a:noFill/>
+          </a:ln>
+        </p:spPr>
+        <p:style>
+          <a:lnRef idx="2">
+            <a:schemeClr val="accent1">
+              <a:shade val="50000"/>
+            </a:schemeClr>
+          </a:lnRef>
+          <a:fillRef idx="1">
+            <a:schemeClr val="accent1"/>
+          </a:fillRef>
+          <a:effectRef idx="0">
+            <a:schemeClr val="accent1"/>
+          </a:effectRef>
+          <a:fontRef idx="minor">
+            <a:schemeClr val="lt1"/>
+          </a:fontRef>
+        </p:style>
+        <p:txBody>
+          <a:bodyPr rtlCol="0" anchor="t"/>
+          <a:lstStyle/>
+          <a:p>
+            <a:pPr algn="ctr"/>
+            <a:r>
+              <a:rPr lang="en-US" dirty="0">
+                <a:latin typeface="Lato" panose="020F0502020204030203" pitchFamily="34" charset="77"/>
+              </a:rPr>
+              <a:t>Random Forest</a:t>
+            </a:r>
+          </a:p>
+          <a:p>
+            <a:pPr marL="117475" indent="-117475">
+              <a:buFont typeface="Arial" panose="020B0604020202020204" pitchFamily="34" charset="0"/>
+              <a:buChar char="•"/>
+            </a:pPr>
+            <a:r>
+              <a:rPr lang="en-US" sz="1200" dirty="0">
+                <a:solidFill>
+                  <a:schemeClr val="bg1"/>
+                </a:solidFill>
+                <a:latin typeface="Lato" panose="020F0502020204030203" pitchFamily="34" charset="77"/>
+              </a:rPr>
+              <a:t>Tune </a:t>
+            </a:r>
+            <a:r>
+              <a:rPr lang="en-US" sz="1200" dirty="0" err="1">
+                <a:solidFill>
+                  <a:schemeClr val="bg1"/>
+                </a:solidFill>
+                <a:latin typeface="Lato" panose="020F0502020204030203" pitchFamily="34" charset="77"/>
+              </a:rPr>
+              <a:t>mtry</a:t>
+            </a:r>
+            <a:r>
+              <a:rPr lang="en-US" sz="1200" dirty="0">
+                <a:solidFill>
+                  <a:schemeClr val="bg1"/>
+                </a:solidFill>
+                <a:latin typeface="Lato" panose="020F0502020204030203" pitchFamily="34" charset="77"/>
+              </a:rPr>
+              <a:t> (6 values), node size (5 values), and sampling fraction (4 values) using 1000 trees</a:t>
+            </a:r>
+          </a:p>
+          <a:p>
+            <a:pPr algn="ctr"/>
+            <a:endParaRPr lang="en-US" dirty="0">
+              <a:latin typeface="Lato" panose="020F0502020204030203" pitchFamily="34" charset="77"/>
+            </a:endParaRPr>
+          </a:p>
+        </p:txBody>
+      </p:sp>
+      <mc:AlternateContent xmlns:mc="http://schemas.openxmlformats.org/markup-compatibility/2006">
+        <mc:Choice xmlns:a14="http://schemas.microsoft.com/office/drawing/2010/main" Requires="a14">
+          <p:sp>
+            <p:nvSpPr>
+              <p:cNvPr id="11" name="Rounded Rectangle 10">
+                <a:extLst>
+                  <a:ext uri="{FF2B5EF4-FFF2-40B4-BE49-F238E27FC236}">
+                    <a16:creationId xmlns:a16="http://schemas.microsoft.com/office/drawing/2014/main" id="{DE1EABAD-1423-AFB2-91F6-0FFD33B70B27}"/>
+                  </a:ext>
+                </a:extLst>
+              </p:cNvPr>
+              <p:cNvSpPr/>
+              <p:nvPr/>
+            </p:nvSpPr>
+            <p:spPr>
+              <a:xfrm>
+                <a:off x="4099116" y="2932311"/>
+                <a:ext cx="1828800" cy="2095640"/>
+              </a:xfrm>
+              <a:prstGeom prst="roundRect">
+                <a:avLst/>
+              </a:prstGeom>
+              <a:ln>
+                <a:noFill/>
+              </a:ln>
+            </p:spPr>
+            <p:style>
+              <a:lnRef idx="2">
+                <a:schemeClr val="accent1">
+                  <a:shade val="50000"/>
+                </a:schemeClr>
+              </a:lnRef>
+              <a:fillRef idx="1">
+                <a:schemeClr val="accent1"/>
+              </a:fillRef>
+              <a:effectRef idx="0">
+                <a:schemeClr val="accent1"/>
+              </a:effectRef>
+              <a:fontRef idx="minor">
+                <a:schemeClr val="lt1"/>
+              </a:fontRef>
+            </p:style>
+            <p:txBody>
+              <a:bodyPr rtlCol="0" anchor="t"/>
+              <a:lstStyle/>
+              <a:p>
+                <a:pPr algn="ctr"/>
+                <a:r>
+                  <a:rPr lang="en-US" dirty="0">
+                    <a:latin typeface="Lato" panose="020F0502020204030203" pitchFamily="34" charset="77"/>
+                  </a:rPr>
+                  <a:t>Group LASSO</a:t>
+                </a:r>
+              </a:p>
+              <a:p>
+                <a:pPr algn="ctr"/>
+                <a:endParaRPr lang="en-US" dirty="0">
+                  <a:latin typeface="Lato" panose="020F0502020204030203" pitchFamily="34" charset="77"/>
+                </a:endParaRPr>
+              </a:p>
+              <a:p>
+                <a:pPr marL="117475" indent="-117475">
+                  <a:buFont typeface="Arial" panose="020B0604020202020204" pitchFamily="34" charset="0"/>
+                  <a:buChar char="•"/>
+                </a:pPr>
+                <a:r>
+                  <a:rPr lang="en-US" sz="1200" dirty="0">
+                    <a:latin typeface="Lato" panose="020F0502020204030203" pitchFamily="34" charset="77"/>
+                  </a:rPr>
+                  <a:t>Tune </a:t>
+                </a:r>
+                <a14:m>
+                  <m:oMath xmlns:m="http://schemas.openxmlformats.org/officeDocument/2006/math">
+                    <m:r>
+                      <a:rPr lang="en-US" sz="1200" b="0" i="1" smtClean="0">
+                        <a:latin typeface="Cambria Math" panose="02040503050406030204" pitchFamily="18" charset="0"/>
+                      </a:rPr>
+                      <m:t>𝜆</m:t>
+                    </m:r>
+                  </m:oMath>
+                </a14:m>
+                <a:r>
+                  <a:rPr lang="en-US" sz="1200" dirty="0">
+                    <a:latin typeface="Lato" panose="020F0502020204030203" pitchFamily="34" charset="77"/>
+                  </a:rPr>
+                  <a:t> via 5-fold cross-validation, select min-1sd</a:t>
+                </a:r>
+              </a:p>
+            </p:txBody>
+          </p:sp>
+        </mc:Choice>
+        <mc:Fallback>
+          <p:sp>
+            <p:nvSpPr>
+              <p:cNvPr id="11" name="Rounded Rectangle 10">
+                <a:extLst>
+                  <a:ext uri="{FF2B5EF4-FFF2-40B4-BE49-F238E27FC236}">
+                    <a16:creationId xmlns:a16="http://schemas.microsoft.com/office/drawing/2014/main" id="{DE1EABAD-1423-AFB2-91F6-0FFD33B70B27}"/>
+                  </a:ext>
+                </a:extLst>
+              </p:cNvPr>
+              <p:cNvSpPr>
+                <a:spLocks noRot="1" noChangeAspect="1" noMove="1" noResize="1" noEditPoints="1" noAdjustHandles="1" noChangeArrowheads="1" noChangeShapeType="1" noTextEdit="1"/>
+              </p:cNvSpPr>
+              <p:nvPr/>
+            </p:nvSpPr>
+            <p:spPr>
+              <a:xfrm>
+                <a:off x="4099116" y="2932311"/>
+                <a:ext cx="1828800" cy="2095640"/>
+              </a:xfrm>
+              <a:prstGeom prst="roundRect">
+                <a:avLst/>
+              </a:prstGeom>
+              <a:blipFill>
+                <a:blip r:embed="rId2"/>
+                <a:stretch>
+                  <a:fillRect/>
+                </a:stretch>
+              </a:blipFill>
+              <a:ln>
+                <a:noFill/>
+              </a:ln>
+            </p:spPr>
+            <p:txBody>
+              <a:bodyPr/>
+              <a:lstStyle/>
+              <a:p>
+                <a:r>
+                  <a:rPr lang="en-US">
+                    <a:noFill/>
+                  </a:rPr>
+                  <a:t> </a:t>
+                </a:r>
+              </a:p>
+            </p:txBody>
+          </p:sp>
+        </mc:Fallback>
+      </mc:AlternateContent>
+      <p:sp>
+        <p:nvSpPr>
+          <p:cNvPr id="16" name="Rounded Rectangle 15">
+            <a:extLst>
+              <a:ext uri="{FF2B5EF4-FFF2-40B4-BE49-F238E27FC236}">
+                <a16:creationId xmlns:a16="http://schemas.microsoft.com/office/drawing/2014/main" id="{FCEFF97F-EBBA-38A2-A7BB-E74C15C4D170}"/>
+              </a:ext>
+            </a:extLst>
+          </p:cNvPr>
+          <p:cNvSpPr/>
+          <p:nvPr/>
+        </p:nvSpPr>
+        <p:spPr>
+          <a:xfrm>
+            <a:off x="6633084" y="1569978"/>
+            <a:ext cx="2438488" cy="980663"/>
+          </a:xfrm>
+          <a:prstGeom prst="roundRect">
+            <a:avLst/>
+          </a:prstGeom>
+          <a:solidFill>
+            <a:schemeClr val="accent6">
+              <a:lumMod val="75000"/>
+            </a:schemeClr>
+          </a:solidFill>
+          <a:ln>
+            <a:noFill/>
+          </a:ln>
+        </p:spPr>
+        <p:style>
+          <a:lnRef idx="2">
+            <a:schemeClr val="accent1">
+              <a:shade val="50000"/>
+            </a:schemeClr>
+          </a:lnRef>
+          <a:fillRef idx="1">
+            <a:schemeClr val="accent1"/>
+          </a:fillRef>
+          <a:effectRef idx="0">
+            <a:schemeClr val="accent1"/>
+          </a:effectRef>
+          <a:fontRef idx="minor">
+            <a:schemeClr val="lt1"/>
+          </a:fontRef>
+        </p:style>
+        <p:txBody>
+          <a:bodyPr rtlCol="0" anchor="t"/>
+          <a:lstStyle/>
+          <a:p>
+            <a:pPr algn="ctr"/>
+            <a:r>
+              <a:rPr lang="en-US" dirty="0">
+                <a:latin typeface="Lato" panose="020F0502020204030203" pitchFamily="34" charset="77"/>
+              </a:rPr>
+              <a:t>Unweighted co-occurrence</a:t>
+            </a:r>
+          </a:p>
+        </p:txBody>
+      </p:sp>
+      <p:sp>
+        <p:nvSpPr>
+          <p:cNvPr id="17" name="Rounded Rectangle 16">
+            <a:extLst>
+              <a:ext uri="{FF2B5EF4-FFF2-40B4-BE49-F238E27FC236}">
+                <a16:creationId xmlns:a16="http://schemas.microsoft.com/office/drawing/2014/main" id="{8FF8CD56-BF57-216D-0A9B-F703D1180765}"/>
+              </a:ext>
+            </a:extLst>
+          </p:cNvPr>
+          <p:cNvSpPr/>
+          <p:nvPr/>
+        </p:nvSpPr>
+        <p:spPr>
+          <a:xfrm>
+            <a:off x="9118364" y="1569977"/>
+            <a:ext cx="2438488" cy="980663"/>
+          </a:xfrm>
+          <a:prstGeom prst="roundRect">
+            <a:avLst/>
+          </a:prstGeom>
+          <a:solidFill>
+            <a:schemeClr val="accent1">
+              <a:lumMod val="75000"/>
+            </a:schemeClr>
+          </a:solidFill>
+          <a:ln>
+            <a:noFill/>
+          </a:ln>
+        </p:spPr>
+        <p:style>
+          <a:lnRef idx="2">
+            <a:schemeClr val="accent1">
+              <a:shade val="50000"/>
+            </a:schemeClr>
+          </a:lnRef>
+          <a:fillRef idx="1">
+            <a:schemeClr val="accent1"/>
+          </a:fillRef>
+          <a:effectRef idx="0">
+            <a:schemeClr val="accent1"/>
+          </a:effectRef>
+          <a:fontRef idx="minor">
+            <a:schemeClr val="lt1"/>
+          </a:fontRef>
+        </p:style>
+        <p:txBody>
+          <a:bodyPr rtlCol="0" anchor="t"/>
+          <a:lstStyle/>
+          <a:p>
+            <a:pPr algn="ctr"/>
+            <a:r>
+              <a:rPr lang="en-US" dirty="0">
+                <a:latin typeface="Lato" panose="020F0502020204030203" pitchFamily="34" charset="77"/>
+              </a:rPr>
+              <a:t>Weighted co-occurrence</a:t>
+            </a:r>
+          </a:p>
+          <a:p>
+            <a:pPr marL="171450" indent="-171450">
+              <a:buFont typeface="Arial" panose="020B0604020202020204" pitchFamily="34" charset="0"/>
+              <a:buChar char="•"/>
+            </a:pPr>
+            <a:r>
+              <a:rPr lang="en-US" sz="1200" dirty="0">
+                <a:solidFill>
+                  <a:schemeClr val="bg1"/>
+                </a:solidFill>
+                <a:latin typeface="Lato" panose="020F0502020204030203" pitchFamily="34" charset="77"/>
+              </a:rPr>
+              <a:t>IPW and poststratification</a:t>
+            </a:r>
+          </a:p>
+          <a:p>
+            <a:pPr algn="ctr"/>
+            <a:endParaRPr lang="en-US" dirty="0">
+              <a:latin typeface="Lato" panose="020F0502020204030203" pitchFamily="34" charset="77"/>
+            </a:endParaRPr>
+          </a:p>
+        </p:txBody>
+      </p:sp>
+      <p:sp>
+        <p:nvSpPr>
+          <p:cNvPr id="19" name="Rounded Rectangle 18">
+            <a:extLst>
+              <a:ext uri="{FF2B5EF4-FFF2-40B4-BE49-F238E27FC236}">
+                <a16:creationId xmlns:a16="http://schemas.microsoft.com/office/drawing/2014/main" id="{27C330CC-D0D2-B241-0AAB-5B1CD1C14DDC}"/>
+              </a:ext>
+            </a:extLst>
+          </p:cNvPr>
+          <p:cNvSpPr/>
+          <p:nvPr/>
+        </p:nvSpPr>
+        <p:spPr>
+          <a:xfrm>
+            <a:off x="6633083" y="4226321"/>
+            <a:ext cx="2438487" cy="1704707"/>
+          </a:xfrm>
+          <a:prstGeom prst="roundRect">
+            <a:avLst/>
+          </a:prstGeom>
+          <a:solidFill>
+            <a:schemeClr val="accent2">
+              <a:lumMod val="75000"/>
+            </a:schemeClr>
+          </a:solidFill>
+          <a:ln>
+            <a:noFill/>
+          </a:ln>
+        </p:spPr>
+        <p:style>
+          <a:lnRef idx="2">
+            <a:schemeClr val="accent1">
+              <a:shade val="50000"/>
+            </a:schemeClr>
+          </a:lnRef>
+          <a:fillRef idx="1">
+            <a:schemeClr val="accent1"/>
+          </a:fillRef>
+          <a:effectRef idx="0">
+            <a:schemeClr val="accent1"/>
+          </a:effectRef>
+          <a:fontRef idx="minor">
+            <a:schemeClr val="lt1"/>
+          </a:fontRef>
+        </p:style>
+        <p:txBody>
+          <a:bodyPr rtlCol="0" anchor="t"/>
+          <a:lstStyle/>
+          <a:p>
+            <a:pPr algn="ctr"/>
+            <a:r>
+              <a:rPr lang="en-US" dirty="0">
+                <a:latin typeface="Lato" panose="020F0502020204030203" pitchFamily="34" charset="77"/>
+              </a:rPr>
+              <a:t>Naïve</a:t>
+            </a:r>
+          </a:p>
+          <a:p>
+            <a:pPr marL="117475" indent="-117475">
+              <a:buFont typeface="Arial" panose="020B0604020202020204" pitchFamily="34" charset="0"/>
+              <a:buChar char="•"/>
+            </a:pPr>
+            <a:r>
+              <a:rPr lang="en-US" sz="1200" dirty="0">
+                <a:latin typeface="Lato" panose="020F0502020204030203" pitchFamily="34" charset="77"/>
+              </a:rPr>
+              <a:t> Summation of log-odds estimates from unweighted/ weighted co-occurrence analyses of selected and filtered </a:t>
+            </a:r>
+            <a:r>
+              <a:rPr lang="en-US" sz="1200" dirty="0" err="1">
+                <a:latin typeface="Lato" panose="020F0502020204030203" pitchFamily="34" charset="77"/>
+              </a:rPr>
+              <a:t>phecodes</a:t>
+            </a:r>
+            <a:endParaRPr lang="en-US" sz="1200" dirty="0">
+              <a:latin typeface="Lato" panose="020F0502020204030203" pitchFamily="34" charset="77"/>
+            </a:endParaRPr>
+          </a:p>
+        </p:txBody>
+      </p:sp>
+      <p:sp>
+        <p:nvSpPr>
+          <p:cNvPr id="20" name="Rounded Rectangle 19">
+            <a:extLst>
+              <a:ext uri="{FF2B5EF4-FFF2-40B4-BE49-F238E27FC236}">
+                <a16:creationId xmlns:a16="http://schemas.microsoft.com/office/drawing/2014/main" id="{F4D881F6-9A21-1425-A4C2-896085E9FB85}"/>
+              </a:ext>
+            </a:extLst>
+          </p:cNvPr>
+          <p:cNvSpPr/>
+          <p:nvPr/>
+        </p:nvSpPr>
+        <p:spPr>
+          <a:xfrm>
+            <a:off x="9142632" y="4226321"/>
+            <a:ext cx="2414220" cy="1704707"/>
+          </a:xfrm>
+          <a:prstGeom prst="roundRect">
+            <a:avLst/>
+          </a:prstGeom>
+          <a:solidFill>
+            <a:schemeClr val="accent2">
+              <a:lumMod val="75000"/>
+            </a:schemeClr>
+          </a:solidFill>
+          <a:ln>
+            <a:noFill/>
+          </a:ln>
+        </p:spPr>
+        <p:style>
+          <a:lnRef idx="2">
+            <a:schemeClr val="accent1">
+              <a:shade val="50000"/>
+            </a:schemeClr>
+          </a:lnRef>
+          <a:fillRef idx="1">
+            <a:schemeClr val="accent1"/>
+          </a:fillRef>
+          <a:effectRef idx="0">
+            <a:schemeClr val="accent1"/>
+          </a:effectRef>
+          <a:fontRef idx="minor">
+            <a:schemeClr val="lt1"/>
+          </a:fontRef>
+        </p:style>
+        <p:txBody>
+          <a:bodyPr rtlCol="0" anchor="t"/>
+          <a:lstStyle/>
+          <a:p>
+            <a:pPr algn="ctr"/>
+            <a:r>
+              <a:rPr lang="en-US" dirty="0">
+                <a:latin typeface="Lato" panose="020F0502020204030203" pitchFamily="34" charset="77"/>
+              </a:rPr>
+              <a:t>Multivariable </a:t>
+            </a:r>
+          </a:p>
+        </p:txBody>
+      </p:sp>
+      <p:sp>
+        <p:nvSpPr>
+          <p:cNvPr id="23" name="Rounded Rectangle 22">
+            <a:extLst>
+              <a:ext uri="{FF2B5EF4-FFF2-40B4-BE49-F238E27FC236}">
+                <a16:creationId xmlns:a16="http://schemas.microsoft.com/office/drawing/2014/main" id="{3858AFBA-8B4C-E871-B9E7-737E31EB0600}"/>
+              </a:ext>
+            </a:extLst>
+          </p:cNvPr>
+          <p:cNvSpPr/>
+          <p:nvPr/>
+        </p:nvSpPr>
+        <p:spPr>
+          <a:xfrm>
+            <a:off x="7065231" y="2682233"/>
+            <a:ext cx="4248617" cy="604630"/>
+          </a:xfrm>
+          <a:prstGeom prst="roundRect">
+            <a:avLst/>
+          </a:prstGeom>
+          <a:solidFill>
+            <a:schemeClr val="accent2">
+              <a:lumMod val="75000"/>
+            </a:schemeClr>
+          </a:solidFill>
+          <a:ln>
+            <a:noFill/>
+          </a:ln>
+        </p:spPr>
+        <p:style>
+          <a:lnRef idx="2">
+            <a:schemeClr val="accent1">
+              <a:shade val="50000"/>
+            </a:schemeClr>
+          </a:lnRef>
+          <a:fillRef idx="1">
+            <a:schemeClr val="accent1"/>
+          </a:fillRef>
+          <a:effectRef idx="0">
+            <a:schemeClr val="accent1"/>
+          </a:effectRef>
+          <a:fontRef idx="minor">
+            <a:schemeClr val="lt1"/>
+          </a:fontRef>
+        </p:style>
+        <p:txBody>
+          <a:bodyPr rtlCol="0" anchor="ctr"/>
+          <a:lstStyle/>
+          <a:p>
+            <a:pPr algn="ctr"/>
+            <a:r>
+              <a:rPr lang="en-US" sz="1400" dirty="0">
+                <a:latin typeface="Lato" panose="020F0502020204030203" pitchFamily="34" charset="77"/>
+              </a:rPr>
+              <a:t>Select traits based on </a:t>
+            </a:r>
+            <a:r>
+              <a:rPr lang="en-US" sz="1400" dirty="0" err="1">
+                <a:latin typeface="Lato" panose="020F0502020204030203" pitchFamily="34" charset="77"/>
+              </a:rPr>
+              <a:t>phenomewide</a:t>
+            </a:r>
+            <a:r>
+              <a:rPr lang="en-US" sz="1400" dirty="0">
+                <a:latin typeface="Lato" panose="020F0502020204030203" pitchFamily="34" charset="77"/>
+              </a:rPr>
+              <a:t>-significance threshold of top </a:t>
+            </a:r>
+            <a:r>
+              <a:rPr lang="en-US" sz="1400" i="1" dirty="0">
+                <a:latin typeface="Lato" panose="020F0502020204030203" pitchFamily="34" charset="77"/>
+              </a:rPr>
+              <a:t>n</a:t>
+            </a:r>
+            <a:r>
+              <a:rPr lang="en-US" sz="1400" dirty="0">
+                <a:latin typeface="Lato" panose="020F0502020204030203" pitchFamily="34" charset="77"/>
+              </a:rPr>
+              <a:t> hits</a:t>
+            </a:r>
+          </a:p>
+        </p:txBody>
+      </p:sp>
+      <p:sp>
+        <p:nvSpPr>
+          <p:cNvPr id="24" name="Rounded Rectangle 23">
+            <a:extLst>
+              <a:ext uri="{FF2B5EF4-FFF2-40B4-BE49-F238E27FC236}">
+                <a16:creationId xmlns:a16="http://schemas.microsoft.com/office/drawing/2014/main" id="{B8335743-FF39-1919-D002-D0E52E5713DE}"/>
+              </a:ext>
+            </a:extLst>
+          </p:cNvPr>
+          <p:cNvSpPr/>
+          <p:nvPr/>
+        </p:nvSpPr>
+        <p:spPr>
+          <a:xfrm>
+            <a:off x="7065230" y="3417119"/>
+            <a:ext cx="4248617" cy="604630"/>
+          </a:xfrm>
+          <a:prstGeom prst="roundRect">
+            <a:avLst/>
+          </a:prstGeom>
+          <a:solidFill>
+            <a:schemeClr val="accent2">
+              <a:lumMod val="75000"/>
+            </a:schemeClr>
+          </a:solidFill>
+          <a:ln>
+            <a:noFill/>
+          </a:ln>
+        </p:spPr>
+        <p:style>
+          <a:lnRef idx="2">
+            <a:schemeClr val="accent1">
+              <a:shade val="50000"/>
+            </a:schemeClr>
+          </a:lnRef>
+          <a:fillRef idx="1">
+            <a:schemeClr val="accent1"/>
+          </a:fillRef>
+          <a:effectRef idx="0">
+            <a:schemeClr val="accent1"/>
+          </a:effectRef>
+          <a:fontRef idx="minor">
+            <a:schemeClr val="lt1"/>
+          </a:fontRef>
+        </p:style>
+        <p:txBody>
+          <a:bodyPr rtlCol="0" anchor="ctr"/>
+          <a:lstStyle/>
+          <a:p>
+            <a:pPr algn="ctr"/>
+            <a:r>
+              <a:rPr lang="en-US" sz="1400" dirty="0">
+                <a:latin typeface="Lato" panose="020F0502020204030203" pitchFamily="34" charset="77"/>
+              </a:rPr>
+              <a:t>Filter highly correlated </a:t>
+            </a:r>
+            <a:r>
+              <a:rPr lang="en-US" sz="1400" dirty="0" err="1">
+                <a:latin typeface="Lato" panose="020F0502020204030203" pitchFamily="34" charset="77"/>
+              </a:rPr>
+              <a:t>phecodes</a:t>
+            </a:r>
+            <a:r>
+              <a:rPr lang="en-US" sz="1400" dirty="0">
+                <a:latin typeface="Lato" panose="020F0502020204030203" pitchFamily="34" charset="77"/>
+              </a:rPr>
+              <a:t> (</a:t>
+            </a:r>
+            <a:r>
+              <a:rPr lang="en-US" sz="1400" i="1" dirty="0">
+                <a:latin typeface="Lato" panose="020F0502020204030203" pitchFamily="34" charset="77"/>
+              </a:rPr>
+              <a:t>R</a:t>
+            </a:r>
+            <a:r>
+              <a:rPr lang="en-US" sz="1400" i="1" baseline="30000" dirty="0">
+                <a:latin typeface="Lato" panose="020F0502020204030203" pitchFamily="34" charset="77"/>
+              </a:rPr>
+              <a:t>2</a:t>
+            </a:r>
+            <a:r>
+              <a:rPr lang="en-US" sz="1400" dirty="0">
+                <a:latin typeface="Lato" panose="020F0502020204030203" pitchFamily="34" charset="77"/>
+              </a:rPr>
+              <a:t>&gt;0.25) keeping </a:t>
+            </a:r>
+            <a:r>
+              <a:rPr lang="en-US" sz="1400" dirty="0" err="1">
+                <a:latin typeface="Lato" panose="020F0502020204030203" pitchFamily="34" charset="77"/>
+              </a:rPr>
+              <a:t>phecode</a:t>
+            </a:r>
+            <a:r>
+              <a:rPr lang="en-US" sz="1400" dirty="0">
+                <a:latin typeface="Lato" panose="020F0502020204030203" pitchFamily="34" charset="77"/>
+              </a:rPr>
+              <a:t> with smaller co-occurrence p-value</a:t>
+            </a:r>
+          </a:p>
+        </p:txBody>
+      </p:sp>
+      <p:cxnSp>
+        <p:nvCxnSpPr>
+          <p:cNvPr id="27" name="Straight Arrow Connector 26">
+            <a:extLst>
+              <a:ext uri="{FF2B5EF4-FFF2-40B4-BE49-F238E27FC236}">
+                <a16:creationId xmlns:a16="http://schemas.microsoft.com/office/drawing/2014/main" id="{F43D3B33-3B38-1BA1-3582-EE60F48FE11E}"/>
+              </a:ext>
+            </a:extLst>
+          </p:cNvPr>
+          <p:cNvCxnSpPr>
+            <a:stCxn id="16" idx="2"/>
+            <a:endCxn id="23" idx="0"/>
+          </p:cNvCxnSpPr>
+          <p:nvPr/>
+        </p:nvCxnSpPr>
+        <p:spPr>
+          <a:xfrm>
+            <a:off x="7852328" y="2550641"/>
+            <a:ext cx="1337212" cy="131592"/>
+          </a:xfrm>
+          <a:prstGeom prst="straightConnector1">
+            <a:avLst/>
+          </a:prstGeom>
+          <a:ln w="38100">
+            <a:solidFill>
+              <a:schemeClr val="accent6">
+                <a:lumMod val="75000"/>
+              </a:schemeClr>
+            </a:solidFill>
+            <a:tailEnd type="triangle"/>
+          </a:ln>
+        </p:spPr>
+        <p:style>
+          <a:lnRef idx="1">
+            <a:schemeClr val="accent1"/>
+          </a:lnRef>
+          <a:fillRef idx="0">
+            <a:schemeClr val="accent1"/>
+          </a:fillRef>
+          <a:effectRef idx="0">
+            <a:schemeClr val="accent1"/>
+          </a:effectRef>
+          <a:fontRef idx="minor">
+            <a:schemeClr val="tx1"/>
+          </a:fontRef>
+        </p:style>
+      </p:cxnSp>
+      <p:cxnSp>
+        <p:nvCxnSpPr>
+          <p:cNvPr id="28" name="Straight Arrow Connector 27">
+            <a:extLst>
+              <a:ext uri="{FF2B5EF4-FFF2-40B4-BE49-F238E27FC236}">
+                <a16:creationId xmlns:a16="http://schemas.microsoft.com/office/drawing/2014/main" id="{6E957A8A-99DB-B7F4-C0C9-5BBEE7B15F4A}"/>
+              </a:ext>
+            </a:extLst>
+          </p:cNvPr>
+          <p:cNvCxnSpPr>
+            <a:cxnSpLocks/>
+            <a:endCxn id="20" idx="0"/>
+          </p:cNvCxnSpPr>
+          <p:nvPr/>
+        </p:nvCxnSpPr>
+        <p:spPr>
+          <a:xfrm>
+            <a:off x="9201674" y="4012250"/>
+            <a:ext cx="1148068" cy="214071"/>
+          </a:xfrm>
+          <a:prstGeom prst="straightConnector1">
+            <a:avLst/>
+          </a:prstGeom>
+          <a:ln w="38100">
+            <a:solidFill>
+              <a:schemeClr val="accent6">
+                <a:lumMod val="75000"/>
+              </a:schemeClr>
+            </a:solidFill>
+            <a:tailEnd type="triangle"/>
+          </a:ln>
+        </p:spPr>
+        <p:style>
+          <a:lnRef idx="1">
+            <a:schemeClr val="accent1"/>
+          </a:lnRef>
+          <a:fillRef idx="0">
+            <a:schemeClr val="accent1"/>
+          </a:fillRef>
+          <a:effectRef idx="0">
+            <a:schemeClr val="accent1"/>
+          </a:effectRef>
+          <a:fontRef idx="minor">
+            <a:schemeClr val="tx1"/>
+          </a:fontRef>
+        </p:style>
+      </p:cxnSp>
+      <p:cxnSp>
+        <p:nvCxnSpPr>
+          <p:cNvPr id="31" name="Straight Arrow Connector 30">
+            <a:extLst>
+              <a:ext uri="{FF2B5EF4-FFF2-40B4-BE49-F238E27FC236}">
+                <a16:creationId xmlns:a16="http://schemas.microsoft.com/office/drawing/2014/main" id="{C24CEFC4-F2EE-8A11-F1A8-9762B0CF0F7D}"/>
+              </a:ext>
+            </a:extLst>
+          </p:cNvPr>
+          <p:cNvCxnSpPr>
+            <a:cxnSpLocks/>
+            <a:endCxn id="19" idx="0"/>
+          </p:cNvCxnSpPr>
+          <p:nvPr/>
+        </p:nvCxnSpPr>
+        <p:spPr>
+          <a:xfrm flipH="1">
+            <a:off x="7852327" y="4012250"/>
+            <a:ext cx="1349347" cy="214071"/>
+          </a:xfrm>
+          <a:prstGeom prst="straightConnector1">
+            <a:avLst/>
+          </a:prstGeom>
+          <a:ln w="38100">
+            <a:solidFill>
+              <a:schemeClr val="accent6">
+                <a:lumMod val="75000"/>
+              </a:schemeClr>
+            </a:solidFill>
+            <a:tailEnd type="triangle"/>
+          </a:ln>
+        </p:spPr>
+        <p:style>
+          <a:lnRef idx="1">
+            <a:schemeClr val="accent1"/>
+          </a:lnRef>
+          <a:fillRef idx="0">
+            <a:schemeClr val="accent1"/>
+          </a:fillRef>
+          <a:effectRef idx="0">
+            <a:schemeClr val="accent1"/>
+          </a:effectRef>
+          <a:fontRef idx="minor">
+            <a:schemeClr val="tx1"/>
+          </a:fontRef>
+        </p:style>
+      </p:cxnSp>
+      <p:cxnSp>
+        <p:nvCxnSpPr>
+          <p:cNvPr id="34" name="Straight Arrow Connector 33">
+            <a:extLst>
+              <a:ext uri="{FF2B5EF4-FFF2-40B4-BE49-F238E27FC236}">
+                <a16:creationId xmlns:a16="http://schemas.microsoft.com/office/drawing/2014/main" id="{3002642D-EA34-9659-8E78-8A0BBA9C4D67}"/>
+              </a:ext>
+            </a:extLst>
+          </p:cNvPr>
+          <p:cNvCxnSpPr>
+            <a:cxnSpLocks/>
+            <a:stCxn id="17" idx="2"/>
+            <a:endCxn id="23" idx="0"/>
+          </p:cNvCxnSpPr>
+          <p:nvPr/>
+        </p:nvCxnSpPr>
+        <p:spPr>
+          <a:xfrm flipH="1">
+            <a:off x="9189540" y="2550640"/>
+            <a:ext cx="1148068" cy="131593"/>
+          </a:xfrm>
+          <a:prstGeom prst="straightConnector1">
+            <a:avLst/>
+          </a:prstGeom>
+          <a:ln w="38100">
+            <a:solidFill>
+              <a:schemeClr val="accent1">
+                <a:lumMod val="75000"/>
+              </a:schemeClr>
+            </a:solidFill>
+            <a:tailEnd type="triangle"/>
+          </a:ln>
+        </p:spPr>
+        <p:style>
+          <a:lnRef idx="1">
+            <a:schemeClr val="accent1"/>
+          </a:lnRef>
+          <a:fillRef idx="0">
+            <a:schemeClr val="accent1"/>
+          </a:fillRef>
+          <a:effectRef idx="0">
+            <a:schemeClr val="accent1"/>
+          </a:effectRef>
+          <a:fontRef idx="minor">
+            <a:schemeClr val="tx1"/>
+          </a:fontRef>
+        </p:style>
+      </p:cxnSp>
+      <p:cxnSp>
+        <p:nvCxnSpPr>
+          <p:cNvPr id="37" name="Straight Arrow Connector 36">
+            <a:extLst>
+              <a:ext uri="{FF2B5EF4-FFF2-40B4-BE49-F238E27FC236}">
+                <a16:creationId xmlns:a16="http://schemas.microsoft.com/office/drawing/2014/main" id="{D5F3FB56-742E-82C3-031B-4DCC030C7EBC}"/>
+              </a:ext>
+            </a:extLst>
+          </p:cNvPr>
+          <p:cNvCxnSpPr>
+            <a:cxnSpLocks/>
+            <a:stCxn id="24" idx="2"/>
+            <a:endCxn id="19" idx="0"/>
+          </p:cNvCxnSpPr>
+          <p:nvPr/>
+        </p:nvCxnSpPr>
+        <p:spPr>
+          <a:xfrm flipH="1">
+            <a:off x="7852327" y="4021749"/>
+            <a:ext cx="1337212" cy="204572"/>
+          </a:xfrm>
+          <a:prstGeom prst="straightConnector1">
+            <a:avLst/>
+          </a:prstGeom>
+          <a:ln w="38100">
+            <a:solidFill>
+              <a:schemeClr val="accent1">
+                <a:lumMod val="75000"/>
+              </a:schemeClr>
+            </a:solidFill>
+            <a:prstDash val="sysDot"/>
+            <a:tailEnd type="triangle"/>
+          </a:ln>
+        </p:spPr>
+        <p:style>
+          <a:lnRef idx="1">
+            <a:schemeClr val="accent1"/>
+          </a:lnRef>
+          <a:fillRef idx="0">
+            <a:schemeClr val="accent1"/>
+          </a:fillRef>
+          <a:effectRef idx="0">
+            <a:schemeClr val="accent1"/>
+          </a:effectRef>
+          <a:fontRef idx="minor">
+            <a:schemeClr val="tx1"/>
+          </a:fontRef>
+        </p:style>
+      </p:cxnSp>
+      <p:cxnSp>
+        <p:nvCxnSpPr>
+          <p:cNvPr id="41" name="Straight Arrow Connector 40">
+            <a:extLst>
+              <a:ext uri="{FF2B5EF4-FFF2-40B4-BE49-F238E27FC236}">
+                <a16:creationId xmlns:a16="http://schemas.microsoft.com/office/drawing/2014/main" id="{DCAA54DE-F015-8C10-CC13-D646C3057974}"/>
+              </a:ext>
+            </a:extLst>
+          </p:cNvPr>
+          <p:cNvCxnSpPr>
+            <a:cxnSpLocks/>
+            <a:stCxn id="23" idx="2"/>
+            <a:endCxn id="24" idx="0"/>
+          </p:cNvCxnSpPr>
+          <p:nvPr/>
+        </p:nvCxnSpPr>
+        <p:spPr>
+          <a:xfrm flipH="1">
+            <a:off x="9189539" y="3286863"/>
+            <a:ext cx="1" cy="130256"/>
+          </a:xfrm>
+          <a:prstGeom prst="straightConnector1">
+            <a:avLst/>
+          </a:prstGeom>
+          <a:ln w="38100">
+            <a:solidFill>
+              <a:schemeClr val="accent2">
+                <a:lumMod val="75000"/>
+              </a:schemeClr>
+            </a:solidFill>
+            <a:tailEnd type="triangle"/>
+          </a:ln>
+        </p:spPr>
+        <p:style>
+          <a:lnRef idx="1">
+            <a:schemeClr val="accent1"/>
+          </a:lnRef>
+          <a:fillRef idx="0">
+            <a:schemeClr val="accent1"/>
+          </a:fillRef>
+          <a:effectRef idx="0">
+            <a:schemeClr val="accent1"/>
+          </a:effectRef>
+          <a:fontRef idx="minor">
+            <a:schemeClr val="tx1"/>
+          </a:fontRef>
+        </p:style>
+      </p:cxnSp>
+      <p:sp>
+        <p:nvSpPr>
+          <p:cNvPr id="48" name="Rounded Rectangle 47">
+            <a:extLst>
+              <a:ext uri="{FF2B5EF4-FFF2-40B4-BE49-F238E27FC236}">
+                <a16:creationId xmlns:a16="http://schemas.microsoft.com/office/drawing/2014/main" id="{5C729132-A928-63D2-B9FC-14B6AD4EB3C2}"/>
+              </a:ext>
+            </a:extLst>
+          </p:cNvPr>
+          <p:cNvSpPr/>
+          <p:nvPr/>
+        </p:nvSpPr>
+        <p:spPr>
+          <a:xfrm>
+            <a:off x="9230475" y="4683304"/>
+            <a:ext cx="1119267" cy="1208496"/>
+          </a:xfrm>
+          <a:prstGeom prst="roundRect">
+            <a:avLst/>
+          </a:prstGeom>
+          <a:solidFill>
+            <a:schemeClr val="accent4">
+              <a:lumMod val="75000"/>
+            </a:schemeClr>
+          </a:solidFill>
+          <a:ln>
+            <a:noFill/>
+          </a:ln>
+        </p:spPr>
+        <p:style>
+          <a:lnRef idx="2">
+            <a:schemeClr val="accent1">
+              <a:shade val="50000"/>
+            </a:schemeClr>
+          </a:lnRef>
+          <a:fillRef idx="1">
+            <a:schemeClr val="accent1"/>
+          </a:fillRef>
+          <a:effectRef idx="0">
+            <a:schemeClr val="accent1"/>
+          </a:effectRef>
+          <a:fontRef idx="minor">
+            <a:schemeClr val="lt1"/>
+          </a:fontRef>
+        </p:style>
+        <p:txBody>
+          <a:bodyPr rtlCol="0" anchor="ctr"/>
+          <a:lstStyle/>
+          <a:p>
+            <a:pPr algn="ctr"/>
+            <a:r>
+              <a:rPr lang="en-US" sz="1200" dirty="0"/>
+              <a:t>Unweighted logistic regression of selected and filtered </a:t>
+            </a:r>
+            <a:r>
+              <a:rPr lang="en-US" sz="1200" dirty="0" err="1"/>
+              <a:t>phecodes</a:t>
+            </a:r>
+            <a:endParaRPr lang="en-US" sz="1200" dirty="0"/>
+          </a:p>
+        </p:txBody>
+      </p:sp>
+      <p:sp>
+        <p:nvSpPr>
+          <p:cNvPr id="50" name="Rounded Rectangle 49">
+            <a:extLst>
+              <a:ext uri="{FF2B5EF4-FFF2-40B4-BE49-F238E27FC236}">
+                <a16:creationId xmlns:a16="http://schemas.microsoft.com/office/drawing/2014/main" id="{C15401F7-6FE3-F58B-C764-88BB5EE59F8E}"/>
+              </a:ext>
+            </a:extLst>
+          </p:cNvPr>
+          <p:cNvSpPr/>
+          <p:nvPr/>
+        </p:nvSpPr>
+        <p:spPr>
+          <a:xfrm>
+            <a:off x="10393663" y="4683304"/>
+            <a:ext cx="1119267" cy="1208496"/>
+          </a:xfrm>
+          <a:prstGeom prst="roundRect">
+            <a:avLst/>
+          </a:prstGeom>
+          <a:solidFill>
+            <a:schemeClr val="accent4">
+              <a:lumMod val="75000"/>
+            </a:schemeClr>
+          </a:solidFill>
+          <a:ln>
+            <a:noFill/>
+          </a:ln>
+        </p:spPr>
+        <p:style>
+          <a:lnRef idx="2">
+            <a:schemeClr val="accent1">
+              <a:shade val="50000"/>
+            </a:schemeClr>
+          </a:lnRef>
+          <a:fillRef idx="1">
+            <a:schemeClr val="accent1"/>
+          </a:fillRef>
+          <a:effectRef idx="0">
+            <a:schemeClr val="accent1"/>
+          </a:effectRef>
+          <a:fontRef idx="minor">
+            <a:schemeClr val="lt1"/>
+          </a:fontRef>
+        </p:style>
+        <p:txBody>
+          <a:bodyPr rtlCol="0" anchor="ctr"/>
+          <a:lstStyle/>
+          <a:p>
+            <a:pPr algn="ctr"/>
+            <a:r>
+              <a:rPr lang="en-US" sz="1200" dirty="0"/>
+              <a:t>Weighted logistic regression of selected and filtered </a:t>
+            </a:r>
+            <a:r>
+              <a:rPr lang="en-US" sz="1200" dirty="0" err="1"/>
+              <a:t>phecodes</a:t>
+            </a:r>
+            <a:endParaRPr lang="en-US" sz="1200" dirty="0"/>
+          </a:p>
+        </p:txBody>
+      </p:sp>
+      <p:sp>
+        <p:nvSpPr>
+          <p:cNvPr id="51" name="Rounded Rectangle 50">
+            <a:extLst>
+              <a:ext uri="{FF2B5EF4-FFF2-40B4-BE49-F238E27FC236}">
+                <a16:creationId xmlns:a16="http://schemas.microsoft.com/office/drawing/2014/main" id="{F59DDA6F-6596-F471-5B03-9F8F83B24D4F}"/>
+              </a:ext>
+            </a:extLst>
+          </p:cNvPr>
+          <p:cNvSpPr/>
+          <p:nvPr/>
+        </p:nvSpPr>
+        <p:spPr>
+          <a:xfrm>
+            <a:off x="1252003" y="1474556"/>
+            <a:ext cx="3682546" cy="1002734"/>
+          </a:xfrm>
+          <a:prstGeom prst="roundRect">
+            <a:avLst/>
+          </a:prstGeom>
+          <a:solidFill>
+            <a:schemeClr val="accent2">
+              <a:lumMod val="75000"/>
+            </a:schemeClr>
+          </a:solidFill>
+          <a:ln>
+            <a:noFill/>
+          </a:ln>
+        </p:spPr>
+        <p:style>
+          <a:lnRef idx="2">
+            <a:schemeClr val="accent1">
+              <a:shade val="50000"/>
+            </a:schemeClr>
+          </a:lnRef>
+          <a:fillRef idx="1">
+            <a:schemeClr val="accent1"/>
+          </a:fillRef>
+          <a:effectRef idx="0">
+            <a:schemeClr val="accent1"/>
+          </a:effectRef>
+          <a:fontRef idx="minor">
+            <a:schemeClr val="lt1"/>
+          </a:fontRef>
+        </p:style>
+        <p:txBody>
+          <a:bodyPr rtlCol="0" anchor="ctr"/>
+          <a:lstStyle/>
+          <a:p>
+            <a:pPr algn="ctr"/>
+            <a:r>
+              <a:rPr lang="en-US" sz="1400" dirty="0">
+                <a:latin typeface="Lato" panose="020F0502020204030203" pitchFamily="34" charset="77"/>
+              </a:rPr>
+              <a:t>Consider </a:t>
+            </a:r>
+            <a:r>
+              <a:rPr lang="en-US" sz="1400" dirty="0" err="1">
+                <a:latin typeface="Lato" panose="020F0502020204030203" pitchFamily="34" charset="77"/>
+              </a:rPr>
+              <a:t>phecodes</a:t>
+            </a:r>
+            <a:r>
+              <a:rPr lang="en-US" sz="1400" dirty="0">
+                <a:latin typeface="Lato" panose="020F0502020204030203" pitchFamily="34" charset="77"/>
+              </a:rPr>
+              <a:t> that</a:t>
+            </a:r>
+          </a:p>
+          <a:p>
+            <a:pPr marL="342900" indent="-342900">
+              <a:buFont typeface="+mj-lt"/>
+              <a:buAutoNum type="alphaLcParenR"/>
+            </a:pPr>
+            <a:r>
+              <a:rPr lang="en-US" sz="1400" dirty="0">
+                <a:latin typeface="Lato" panose="020F0502020204030203" pitchFamily="34" charset="77"/>
+              </a:rPr>
+              <a:t>Are present in both MGI and UKB</a:t>
+            </a:r>
+          </a:p>
+          <a:p>
+            <a:pPr marL="342900" indent="-342900">
+              <a:buFont typeface="+mj-lt"/>
+              <a:buAutoNum type="alphaLcParenR"/>
+            </a:pPr>
+            <a:r>
+              <a:rPr lang="en-US" sz="1400" dirty="0">
+                <a:latin typeface="Lato" panose="020F0502020204030203" pitchFamily="34" charset="77"/>
+              </a:rPr>
+              <a:t>Are not in the outcome exclusion range</a:t>
+            </a:r>
+          </a:p>
+          <a:p>
+            <a:pPr marL="342900" indent="-342900">
+              <a:buFont typeface="+mj-lt"/>
+              <a:buAutoNum type="alphaLcParenR"/>
+            </a:pPr>
+            <a:r>
+              <a:rPr lang="en-US" sz="1400" dirty="0">
+                <a:latin typeface="Lato" panose="020F0502020204030203" pitchFamily="34" charset="77"/>
+              </a:rPr>
+              <a:t>Are “leaf” </a:t>
+            </a:r>
+            <a:r>
+              <a:rPr lang="en-US" sz="1400" dirty="0" err="1">
+                <a:latin typeface="Lato" panose="020F0502020204030203" pitchFamily="34" charset="77"/>
+              </a:rPr>
+              <a:t>phecodes</a:t>
+            </a:r>
+            <a:endParaRPr lang="en-US" sz="1400" dirty="0">
+              <a:latin typeface="Lato" panose="020F0502020204030203" pitchFamily="34" charset="77"/>
+            </a:endParaRPr>
+          </a:p>
+        </p:txBody>
+      </p:sp>
+      <p:sp>
+        <p:nvSpPr>
+          <p:cNvPr id="54" name="TextBox 53">
+            <a:extLst>
+              <a:ext uri="{FF2B5EF4-FFF2-40B4-BE49-F238E27FC236}">
+                <a16:creationId xmlns:a16="http://schemas.microsoft.com/office/drawing/2014/main" id="{13DB3005-0FCB-57E1-6908-CBA5A2E09D8D}"/>
+              </a:ext>
+            </a:extLst>
+          </p:cNvPr>
+          <p:cNvSpPr txBox="1"/>
+          <p:nvPr/>
+        </p:nvSpPr>
+        <p:spPr>
+          <a:xfrm>
+            <a:off x="965287" y="4843286"/>
+            <a:ext cx="415498" cy="369332"/>
+          </a:xfrm>
+          <a:prstGeom prst="rect">
+            <a:avLst/>
+          </a:prstGeom>
+          <a:noFill/>
+        </p:spPr>
+        <p:txBody>
+          <a:bodyPr wrap="none" rtlCol="0" anchor="ctr">
+            <a:spAutoFit/>
+          </a:bodyPr>
+          <a:lstStyle/>
+          <a:p>
+            <a:pPr algn="ctr"/>
+            <a:r>
+              <a:rPr lang="en-US" dirty="0"/>
+              <a:t>👨🏻‍🍳</a:t>
+            </a:r>
+          </a:p>
+        </p:txBody>
+      </p:sp>
+      <p:sp>
+        <p:nvSpPr>
+          <p:cNvPr id="55" name="TextBox 54">
+            <a:extLst>
+              <a:ext uri="{FF2B5EF4-FFF2-40B4-BE49-F238E27FC236}">
+                <a16:creationId xmlns:a16="http://schemas.microsoft.com/office/drawing/2014/main" id="{7992A443-5779-ECF5-2CAD-83D89453466D}"/>
+              </a:ext>
+            </a:extLst>
+          </p:cNvPr>
+          <p:cNvSpPr txBox="1"/>
+          <p:nvPr/>
+        </p:nvSpPr>
+        <p:spPr>
+          <a:xfrm>
+            <a:off x="2885527" y="4843285"/>
+            <a:ext cx="415498" cy="369332"/>
+          </a:xfrm>
+          <a:prstGeom prst="rect">
+            <a:avLst/>
+          </a:prstGeom>
+          <a:noFill/>
+        </p:spPr>
+        <p:txBody>
+          <a:bodyPr wrap="none" rtlCol="0" anchor="ctr">
+            <a:spAutoFit/>
+          </a:bodyPr>
+          <a:lstStyle/>
+          <a:p>
+            <a:pPr algn="ctr"/>
+            <a:r>
+              <a:rPr lang="en-US" dirty="0"/>
+              <a:t>👨🏻‍🍳</a:t>
+            </a:r>
+          </a:p>
+        </p:txBody>
+      </p:sp>
+      <p:sp>
+        <p:nvSpPr>
+          <p:cNvPr id="56" name="TextBox 55">
+            <a:extLst>
+              <a:ext uri="{FF2B5EF4-FFF2-40B4-BE49-F238E27FC236}">
+                <a16:creationId xmlns:a16="http://schemas.microsoft.com/office/drawing/2014/main" id="{9AB098AE-641F-4E31-A5F2-9C2AB0591B1A}"/>
+              </a:ext>
+            </a:extLst>
+          </p:cNvPr>
+          <p:cNvSpPr txBox="1"/>
+          <p:nvPr/>
+        </p:nvSpPr>
+        <p:spPr>
+          <a:xfrm>
+            <a:off x="4839672" y="4843285"/>
+            <a:ext cx="415498" cy="369332"/>
+          </a:xfrm>
+          <a:prstGeom prst="rect">
+            <a:avLst/>
+          </a:prstGeom>
+          <a:noFill/>
+        </p:spPr>
+        <p:txBody>
+          <a:bodyPr wrap="none" rtlCol="0" anchor="ctr">
+            <a:spAutoFit/>
+          </a:bodyPr>
+          <a:lstStyle/>
+          <a:p>
+            <a:pPr algn="ctr"/>
+            <a:r>
+              <a:rPr lang="en-US" dirty="0"/>
+              <a:t>👨🏻‍🍳</a:t>
+            </a:r>
+          </a:p>
+        </p:txBody>
+      </p:sp>
+      <p:sp>
+        <p:nvSpPr>
+          <p:cNvPr id="57" name="TextBox 56">
+            <a:extLst>
+              <a:ext uri="{FF2B5EF4-FFF2-40B4-BE49-F238E27FC236}">
+                <a16:creationId xmlns:a16="http://schemas.microsoft.com/office/drawing/2014/main" id="{24B9252F-F637-1040-5EDC-8900C1E0104F}"/>
+              </a:ext>
+            </a:extLst>
+          </p:cNvPr>
+          <p:cNvSpPr txBox="1"/>
+          <p:nvPr/>
+        </p:nvSpPr>
+        <p:spPr>
+          <a:xfrm>
+            <a:off x="7644577" y="5731144"/>
+            <a:ext cx="415498" cy="369332"/>
+          </a:xfrm>
+          <a:prstGeom prst="rect">
+            <a:avLst/>
+          </a:prstGeom>
+          <a:noFill/>
+        </p:spPr>
+        <p:txBody>
+          <a:bodyPr wrap="none" rtlCol="0" anchor="ctr">
+            <a:spAutoFit/>
+          </a:bodyPr>
+          <a:lstStyle/>
+          <a:p>
+            <a:pPr algn="ctr"/>
+            <a:r>
+              <a:rPr lang="en-US" dirty="0"/>
+              <a:t>👨🏻‍🍳</a:t>
+            </a:r>
+          </a:p>
+        </p:txBody>
+      </p:sp>
+      <p:sp>
+        <p:nvSpPr>
+          <p:cNvPr id="58" name="TextBox 57">
+            <a:extLst>
+              <a:ext uri="{FF2B5EF4-FFF2-40B4-BE49-F238E27FC236}">
+                <a16:creationId xmlns:a16="http://schemas.microsoft.com/office/drawing/2014/main" id="{BC7183F3-80C8-BE4C-D633-4D46F99D6655}"/>
+              </a:ext>
+            </a:extLst>
+          </p:cNvPr>
+          <p:cNvSpPr txBox="1"/>
+          <p:nvPr/>
+        </p:nvSpPr>
+        <p:spPr>
+          <a:xfrm>
+            <a:off x="9582359" y="5824097"/>
+            <a:ext cx="415498" cy="369332"/>
+          </a:xfrm>
+          <a:prstGeom prst="rect">
+            <a:avLst/>
+          </a:prstGeom>
+          <a:noFill/>
+        </p:spPr>
+        <p:txBody>
+          <a:bodyPr wrap="none" rtlCol="0" anchor="ctr">
+            <a:spAutoFit/>
+          </a:bodyPr>
+          <a:lstStyle/>
+          <a:p>
+            <a:pPr algn="ctr"/>
+            <a:r>
+              <a:rPr lang="en-US" dirty="0"/>
+              <a:t>👨🏻‍🍳</a:t>
+            </a:r>
+          </a:p>
+        </p:txBody>
+      </p:sp>
+      <p:sp>
+        <p:nvSpPr>
+          <p:cNvPr id="59" name="TextBox 58">
+            <a:extLst>
+              <a:ext uri="{FF2B5EF4-FFF2-40B4-BE49-F238E27FC236}">
+                <a16:creationId xmlns:a16="http://schemas.microsoft.com/office/drawing/2014/main" id="{8A0E7E84-EF45-89AC-E69B-0D2879617F30}"/>
+              </a:ext>
+            </a:extLst>
+          </p:cNvPr>
+          <p:cNvSpPr txBox="1"/>
+          <p:nvPr/>
+        </p:nvSpPr>
+        <p:spPr>
+          <a:xfrm>
+            <a:off x="10745547" y="5824097"/>
+            <a:ext cx="415498" cy="369332"/>
+          </a:xfrm>
+          <a:prstGeom prst="rect">
+            <a:avLst/>
+          </a:prstGeom>
+          <a:noFill/>
+        </p:spPr>
+        <p:txBody>
+          <a:bodyPr wrap="none" rtlCol="0" anchor="ctr">
+            <a:spAutoFit/>
+          </a:bodyPr>
+          <a:lstStyle/>
+          <a:p>
+            <a:pPr algn="ctr"/>
+            <a:r>
+              <a:rPr lang="en-US" dirty="0"/>
+              <a:t>👨🏻‍🍳</a:t>
+            </a:r>
+          </a:p>
+        </p:txBody>
+      </p:sp>
+      <mc:AlternateContent xmlns:mc="http://schemas.openxmlformats.org/markup-compatibility/2006">
+        <mc:Choice xmlns:a14="http://schemas.microsoft.com/office/drawing/2010/main" Requires="a14">
+          <p:sp>
+            <p:nvSpPr>
+              <p:cNvPr id="61" name="Rounded Rectangle 60">
+                <a:extLst>
+                  <a:ext uri="{FF2B5EF4-FFF2-40B4-BE49-F238E27FC236}">
+                    <a16:creationId xmlns:a16="http://schemas.microsoft.com/office/drawing/2014/main" id="{43237257-4181-893E-5217-E6C68E7EB8D5}"/>
+                  </a:ext>
+                </a:extLst>
+              </p:cNvPr>
+              <p:cNvSpPr/>
+              <p:nvPr/>
+            </p:nvSpPr>
+            <p:spPr>
+              <a:xfrm>
+                <a:off x="1155346" y="6074094"/>
+                <a:ext cx="835433" cy="475873"/>
+              </a:xfrm>
+              <a:prstGeom prst="roundRect">
+                <a:avLst/>
+              </a:prstGeom>
+              <a:solidFill>
+                <a:schemeClr val="accent3"/>
+              </a:solidFill>
+              <a:ln>
+                <a:noFill/>
+              </a:ln>
+            </p:spPr>
+            <p:style>
+              <a:lnRef idx="2">
+                <a:schemeClr val="accent1">
+                  <a:shade val="50000"/>
+                </a:schemeClr>
+              </a:lnRef>
+              <a:fillRef idx="1">
+                <a:schemeClr val="accent1"/>
+              </a:fillRef>
+              <a:effectRef idx="0">
+                <a:schemeClr val="accent1"/>
+              </a:effectRef>
+              <a:fontRef idx="minor">
+                <a:schemeClr val="lt1"/>
+              </a:fontRef>
+            </p:style>
+            <p:txBody>
+              <a:bodyPr rtlCol="0" anchor="ctr"/>
+              <a:lstStyle/>
+              <a:p>
+                <a:pPr algn="ctr"/>
+                <a14:m>
+                  <m:oMathPara xmlns:m="http://schemas.openxmlformats.org/officeDocument/2006/math">
+                    <m:oMathParaPr>
+                      <m:jc m:val="centerGroup"/>
+                    </m:oMathParaPr>
+                    <m:oMath xmlns:m="http://schemas.openxmlformats.org/officeDocument/2006/math">
+                      <m:acc>
+                        <m:accPr>
+                          <m:chr m:val="̂"/>
+                          <m:ctrlPr>
+                            <a:rPr lang="en-US" b="0" i="1" smtClean="0">
+                              <a:latin typeface="Cambria Math" panose="02040503050406030204" pitchFamily="18" charset="0"/>
+                            </a:rPr>
+                          </m:ctrlPr>
+                        </m:accPr>
+                        <m:e>
+                          <m:r>
+                            <a:rPr lang="en-US" b="0" i="1" smtClean="0">
+                              <a:latin typeface="Cambria Math" panose="02040503050406030204" pitchFamily="18" charset="0"/>
+                            </a:rPr>
+                            <m:t>𝑌</m:t>
+                          </m:r>
+                        </m:e>
+                      </m:acc>
+                    </m:oMath>
+                  </m:oMathPara>
+                </a14:m>
+                <a:endParaRPr lang="en-US" dirty="0"/>
+              </a:p>
+            </p:txBody>
+          </p:sp>
+        </mc:Choice>
+        <mc:Fallback>
+          <p:sp>
+            <p:nvSpPr>
+              <p:cNvPr id="61" name="Rounded Rectangle 60">
+                <a:extLst>
+                  <a:ext uri="{FF2B5EF4-FFF2-40B4-BE49-F238E27FC236}">
+                    <a16:creationId xmlns:a16="http://schemas.microsoft.com/office/drawing/2014/main" id="{43237257-4181-893E-5217-E6C68E7EB8D5}"/>
+                  </a:ext>
+                </a:extLst>
+              </p:cNvPr>
+              <p:cNvSpPr>
+                <a:spLocks noRot="1" noChangeAspect="1" noMove="1" noResize="1" noEditPoints="1" noAdjustHandles="1" noChangeArrowheads="1" noChangeShapeType="1" noTextEdit="1"/>
+              </p:cNvSpPr>
+              <p:nvPr/>
+            </p:nvSpPr>
+            <p:spPr>
+              <a:xfrm>
+                <a:off x="1155346" y="6074094"/>
+                <a:ext cx="835433" cy="475873"/>
+              </a:xfrm>
+              <a:prstGeom prst="roundRect">
+                <a:avLst/>
+              </a:prstGeom>
+              <a:blipFill>
+                <a:blip r:embed="rId3"/>
+                <a:stretch>
+                  <a:fillRect/>
+                </a:stretch>
+              </a:blipFill>
+              <a:ln>
+                <a:noFill/>
+              </a:ln>
+            </p:spPr>
+            <p:txBody>
+              <a:bodyPr/>
+              <a:lstStyle/>
+              <a:p>
+                <a:r>
+                  <a:rPr lang="en-US">
+                    <a:noFill/>
+                  </a:rPr>
+                  <a:t> </a:t>
+                </a:r>
+              </a:p>
+            </p:txBody>
+          </p:sp>
+        </mc:Fallback>
+      </mc:AlternateContent>
+      <mc:AlternateContent xmlns:mc="http://schemas.openxmlformats.org/markup-compatibility/2006">
+        <mc:Choice xmlns:a14="http://schemas.microsoft.com/office/drawing/2010/main" Requires="a14">
+          <p:sp>
+            <p:nvSpPr>
+              <p:cNvPr id="62" name="Rounded Rectangle 61">
+                <a:extLst>
+                  <a:ext uri="{FF2B5EF4-FFF2-40B4-BE49-F238E27FC236}">
+                    <a16:creationId xmlns:a16="http://schemas.microsoft.com/office/drawing/2014/main" id="{363801A1-AB0A-D63A-58DC-95E995EA2544}"/>
+                  </a:ext>
+                </a:extLst>
+              </p:cNvPr>
+              <p:cNvSpPr/>
+              <p:nvPr/>
+            </p:nvSpPr>
+            <p:spPr>
+              <a:xfrm>
+                <a:off x="3075586" y="6074092"/>
+                <a:ext cx="835433" cy="475873"/>
+              </a:xfrm>
+              <a:prstGeom prst="roundRect">
+                <a:avLst/>
+              </a:prstGeom>
+              <a:solidFill>
+                <a:schemeClr val="accent3"/>
+              </a:solidFill>
+              <a:ln>
+                <a:noFill/>
+              </a:ln>
+            </p:spPr>
+            <p:style>
+              <a:lnRef idx="2">
+                <a:schemeClr val="accent1">
+                  <a:shade val="50000"/>
+                </a:schemeClr>
+              </a:lnRef>
+              <a:fillRef idx="1">
+                <a:schemeClr val="accent1"/>
+              </a:fillRef>
+              <a:effectRef idx="0">
+                <a:schemeClr val="accent1"/>
+              </a:effectRef>
+              <a:fontRef idx="minor">
+                <a:schemeClr val="lt1"/>
+              </a:fontRef>
+            </p:style>
+            <p:txBody>
+              <a:bodyPr rtlCol="0" anchor="ctr"/>
+              <a:lstStyle/>
+              <a:p>
+                <a:pPr algn="ctr"/>
+                <a14:m>
+                  <m:oMathPara xmlns:m="http://schemas.openxmlformats.org/officeDocument/2006/math">
+                    <m:oMathParaPr>
+                      <m:jc m:val="centerGroup"/>
+                    </m:oMathParaPr>
+                    <m:oMath xmlns:m="http://schemas.openxmlformats.org/officeDocument/2006/math">
+                      <m:acc>
+                        <m:accPr>
+                          <m:chr m:val="̂"/>
+                          <m:ctrlPr>
+                            <a:rPr lang="en-US" b="0" i="1" smtClean="0">
+                              <a:latin typeface="Cambria Math" panose="02040503050406030204" pitchFamily="18" charset="0"/>
+                            </a:rPr>
+                          </m:ctrlPr>
+                        </m:accPr>
+                        <m:e>
+                          <m:r>
+                            <a:rPr lang="en-US" b="0" i="1" smtClean="0">
+                              <a:latin typeface="Cambria Math" panose="02040503050406030204" pitchFamily="18" charset="0"/>
+                            </a:rPr>
+                            <m:t>𝑌</m:t>
+                          </m:r>
+                        </m:e>
+                      </m:acc>
+                    </m:oMath>
+                  </m:oMathPara>
+                </a14:m>
+                <a:endParaRPr lang="en-US" dirty="0"/>
+              </a:p>
+            </p:txBody>
+          </p:sp>
+        </mc:Choice>
+        <mc:Fallback>
+          <p:sp>
+            <p:nvSpPr>
+              <p:cNvPr id="62" name="Rounded Rectangle 61">
+                <a:extLst>
+                  <a:ext uri="{FF2B5EF4-FFF2-40B4-BE49-F238E27FC236}">
+                    <a16:creationId xmlns:a16="http://schemas.microsoft.com/office/drawing/2014/main" id="{363801A1-AB0A-D63A-58DC-95E995EA2544}"/>
+                  </a:ext>
+                </a:extLst>
+              </p:cNvPr>
+              <p:cNvSpPr>
+                <a:spLocks noRot="1" noChangeAspect="1" noMove="1" noResize="1" noEditPoints="1" noAdjustHandles="1" noChangeArrowheads="1" noChangeShapeType="1" noTextEdit="1"/>
+              </p:cNvSpPr>
+              <p:nvPr/>
+            </p:nvSpPr>
+            <p:spPr>
+              <a:xfrm>
+                <a:off x="3075586" y="6074092"/>
+                <a:ext cx="835433" cy="475873"/>
+              </a:xfrm>
+              <a:prstGeom prst="roundRect">
+                <a:avLst/>
+              </a:prstGeom>
+              <a:blipFill>
+                <a:blip r:embed="rId4"/>
+                <a:stretch>
+                  <a:fillRect/>
+                </a:stretch>
+              </a:blipFill>
+              <a:ln>
+                <a:noFill/>
+              </a:ln>
+            </p:spPr>
+            <p:txBody>
+              <a:bodyPr/>
+              <a:lstStyle/>
+              <a:p>
+                <a:r>
+                  <a:rPr lang="en-US">
+                    <a:noFill/>
+                  </a:rPr>
+                  <a:t> </a:t>
+                </a:r>
+              </a:p>
+            </p:txBody>
+          </p:sp>
+        </mc:Fallback>
+      </mc:AlternateContent>
+      <mc:AlternateContent xmlns:mc="http://schemas.openxmlformats.org/markup-compatibility/2006">
+        <mc:Choice xmlns:a14="http://schemas.microsoft.com/office/drawing/2010/main" Requires="a14">
+          <p:sp>
+            <p:nvSpPr>
+              <p:cNvPr id="63" name="Rounded Rectangle 62">
+                <a:extLst>
+                  <a:ext uri="{FF2B5EF4-FFF2-40B4-BE49-F238E27FC236}">
+                    <a16:creationId xmlns:a16="http://schemas.microsoft.com/office/drawing/2014/main" id="{1E4C6B79-25A8-8564-90A5-F10ACB7CCD14}"/>
+                  </a:ext>
+                </a:extLst>
+              </p:cNvPr>
+              <p:cNvSpPr/>
+              <p:nvPr/>
+            </p:nvSpPr>
+            <p:spPr>
+              <a:xfrm>
+                <a:off x="5074793" y="6074096"/>
+                <a:ext cx="835433" cy="475873"/>
+              </a:xfrm>
+              <a:prstGeom prst="roundRect">
+                <a:avLst/>
+              </a:prstGeom>
+              <a:solidFill>
+                <a:schemeClr val="accent3"/>
+              </a:solidFill>
+              <a:ln>
+                <a:noFill/>
+              </a:ln>
+            </p:spPr>
+            <p:style>
+              <a:lnRef idx="2">
+                <a:schemeClr val="accent1">
+                  <a:shade val="50000"/>
+                </a:schemeClr>
+              </a:lnRef>
+              <a:fillRef idx="1">
+                <a:schemeClr val="accent1"/>
+              </a:fillRef>
+              <a:effectRef idx="0">
+                <a:schemeClr val="accent1"/>
+              </a:effectRef>
+              <a:fontRef idx="minor">
+                <a:schemeClr val="lt1"/>
+              </a:fontRef>
+            </p:style>
+            <p:txBody>
+              <a:bodyPr rtlCol="0" anchor="ctr"/>
+              <a:lstStyle/>
+              <a:p>
+                <a:pPr algn="ctr"/>
+                <a14:m>
+                  <m:oMathPara xmlns:m="http://schemas.openxmlformats.org/officeDocument/2006/math">
+                    <m:oMathParaPr>
+                      <m:jc m:val="centerGroup"/>
+                    </m:oMathParaPr>
+                    <m:oMath xmlns:m="http://schemas.openxmlformats.org/officeDocument/2006/math">
+                      <m:acc>
+                        <m:accPr>
+                          <m:chr m:val="̂"/>
+                          <m:ctrlPr>
+                            <a:rPr lang="en-US" b="0" i="1" smtClean="0">
+                              <a:latin typeface="Cambria Math" panose="02040503050406030204" pitchFamily="18" charset="0"/>
+                            </a:rPr>
+                          </m:ctrlPr>
+                        </m:accPr>
+                        <m:e>
+                          <m:r>
+                            <a:rPr lang="en-US" b="0" i="1" smtClean="0">
+                              <a:latin typeface="Cambria Math" panose="02040503050406030204" pitchFamily="18" charset="0"/>
+                            </a:rPr>
+                            <m:t>𝑌</m:t>
+                          </m:r>
+                        </m:e>
+                      </m:acc>
+                    </m:oMath>
+                  </m:oMathPara>
+                </a14:m>
+                <a:endParaRPr lang="en-US" dirty="0"/>
+              </a:p>
+            </p:txBody>
+          </p:sp>
+        </mc:Choice>
+        <mc:Fallback>
+          <p:sp>
+            <p:nvSpPr>
+              <p:cNvPr id="63" name="Rounded Rectangle 62">
+                <a:extLst>
+                  <a:ext uri="{FF2B5EF4-FFF2-40B4-BE49-F238E27FC236}">
+                    <a16:creationId xmlns:a16="http://schemas.microsoft.com/office/drawing/2014/main" id="{1E4C6B79-25A8-8564-90A5-F10ACB7CCD14}"/>
+                  </a:ext>
+                </a:extLst>
+              </p:cNvPr>
+              <p:cNvSpPr>
+                <a:spLocks noRot="1" noChangeAspect="1" noMove="1" noResize="1" noEditPoints="1" noAdjustHandles="1" noChangeArrowheads="1" noChangeShapeType="1" noTextEdit="1"/>
+              </p:cNvSpPr>
+              <p:nvPr/>
+            </p:nvSpPr>
+            <p:spPr>
+              <a:xfrm>
+                <a:off x="5074793" y="6074096"/>
+                <a:ext cx="835433" cy="475873"/>
+              </a:xfrm>
+              <a:prstGeom prst="roundRect">
+                <a:avLst/>
+              </a:prstGeom>
+              <a:blipFill>
+                <a:blip r:embed="rId5"/>
+                <a:stretch>
+                  <a:fillRect/>
+                </a:stretch>
+              </a:blipFill>
+              <a:ln>
+                <a:noFill/>
+              </a:ln>
+            </p:spPr>
+            <p:txBody>
+              <a:bodyPr/>
+              <a:lstStyle/>
+              <a:p>
+                <a:r>
+                  <a:rPr lang="en-US">
+                    <a:noFill/>
+                  </a:rPr>
+                  <a:t> </a:t>
+                </a:r>
+              </a:p>
+            </p:txBody>
+          </p:sp>
+        </mc:Fallback>
+      </mc:AlternateContent>
+      <p:sp>
+        <p:nvSpPr>
+          <p:cNvPr id="65" name="Rectangle 64">
+            <a:extLst>
+              <a:ext uri="{FF2B5EF4-FFF2-40B4-BE49-F238E27FC236}">
+                <a16:creationId xmlns:a16="http://schemas.microsoft.com/office/drawing/2014/main" id="{2FA6A0A3-B9FE-F367-D9B2-19B47870FE31}"/>
+              </a:ext>
+            </a:extLst>
+          </p:cNvPr>
+          <p:cNvSpPr/>
+          <p:nvPr/>
+        </p:nvSpPr>
+        <p:spPr>
+          <a:xfrm>
+            <a:off x="4167809" y="609603"/>
+            <a:ext cx="1293763" cy="275891"/>
+          </a:xfrm>
+          <a:prstGeom prst="rect">
+            <a:avLst/>
+          </a:prstGeom>
+          <a:solidFill>
+            <a:schemeClr val="accent4">
+              <a:lumMod val="75000"/>
+            </a:schemeClr>
+          </a:solidFill>
+          <a:ln>
+            <a:noFill/>
+          </a:ln>
+        </p:spPr>
+        <p:style>
+          <a:lnRef idx="2">
+            <a:schemeClr val="accent1">
+              <a:shade val="50000"/>
+            </a:schemeClr>
+          </a:lnRef>
+          <a:fillRef idx="1">
+            <a:schemeClr val="accent1"/>
+          </a:fillRef>
+          <a:effectRef idx="0">
+            <a:schemeClr val="accent1"/>
+          </a:effectRef>
+          <a:fontRef idx="minor">
+            <a:schemeClr val="lt1"/>
+          </a:fontRef>
+        </p:style>
+        <p:txBody>
+          <a:bodyPr rtlCol="0" anchor="ctr"/>
+          <a:lstStyle/>
+          <a:p>
+            <a:pPr algn="ctr"/>
+            <a:r>
+              <a:rPr lang="en-US" sz="1200" dirty="0">
+                <a:latin typeface="Lato" panose="020F0502020204030203" pitchFamily="34" charset="77"/>
+              </a:rPr>
+              <a:t>Train</a:t>
+            </a:r>
+          </a:p>
+        </p:txBody>
+      </p:sp>
+      <p:sp>
+        <p:nvSpPr>
+          <p:cNvPr id="66" name="Rectangle 65">
+            <a:extLst>
+              <a:ext uri="{FF2B5EF4-FFF2-40B4-BE49-F238E27FC236}">
+                <a16:creationId xmlns:a16="http://schemas.microsoft.com/office/drawing/2014/main" id="{CFEA20CD-58E4-E40C-B696-C4B07E75FFB1}"/>
+              </a:ext>
+            </a:extLst>
+          </p:cNvPr>
+          <p:cNvSpPr/>
+          <p:nvPr/>
+        </p:nvSpPr>
+        <p:spPr>
+          <a:xfrm>
+            <a:off x="5461572" y="610948"/>
+            <a:ext cx="557784" cy="274546"/>
+          </a:xfrm>
+          <a:prstGeom prst="rect">
+            <a:avLst/>
+          </a:prstGeom>
+          <a:solidFill>
+            <a:schemeClr val="accent4">
+              <a:lumMod val="60000"/>
+              <a:lumOff val="40000"/>
+            </a:schemeClr>
+          </a:solidFill>
+          <a:ln>
+            <a:noFill/>
+          </a:ln>
+        </p:spPr>
+        <p:style>
+          <a:lnRef idx="2">
+            <a:schemeClr val="accent1">
+              <a:shade val="50000"/>
+            </a:schemeClr>
+          </a:lnRef>
+          <a:fillRef idx="1">
+            <a:schemeClr val="accent1"/>
+          </a:fillRef>
+          <a:effectRef idx="0">
+            <a:schemeClr val="accent1"/>
+          </a:effectRef>
+          <a:fontRef idx="minor">
+            <a:schemeClr val="lt1"/>
+          </a:fontRef>
+        </p:style>
+        <p:txBody>
+          <a:bodyPr rtlCol="0" anchor="ctr"/>
+          <a:lstStyle/>
+          <a:p>
+            <a:pPr algn="ctr"/>
+            <a:r>
+              <a:rPr lang="en-US" sz="1200" dirty="0">
+                <a:latin typeface="Lato" panose="020F0502020204030203" pitchFamily="34" charset="77"/>
+              </a:rPr>
+              <a:t>Test</a:t>
+            </a:r>
+          </a:p>
+        </p:txBody>
+      </p:sp>
+      <mc:AlternateContent xmlns:mc="http://schemas.openxmlformats.org/markup-compatibility/2006">
+        <mc:Choice xmlns:a14="http://schemas.microsoft.com/office/drawing/2010/main" Requires="a14">
+          <p:sp>
+            <p:nvSpPr>
+              <p:cNvPr id="67" name="Rounded Rectangle 66">
+                <a:extLst>
+                  <a:ext uri="{FF2B5EF4-FFF2-40B4-BE49-F238E27FC236}">
+                    <a16:creationId xmlns:a16="http://schemas.microsoft.com/office/drawing/2014/main" id="{4678D448-0CA1-F52C-FA94-EA7A9372E500}"/>
+                  </a:ext>
+                </a:extLst>
+              </p:cNvPr>
+              <p:cNvSpPr/>
+              <p:nvPr/>
+            </p:nvSpPr>
+            <p:spPr>
+              <a:xfrm>
+                <a:off x="2240153" y="6074093"/>
+                <a:ext cx="835433" cy="475873"/>
+              </a:xfrm>
+              <a:prstGeom prst="roundRect">
+                <a:avLst/>
+              </a:prstGeom>
+              <a:solidFill>
+                <a:schemeClr val="accent4">
+                  <a:lumMod val="60000"/>
+                  <a:lumOff val="40000"/>
+                </a:schemeClr>
+              </a:solidFill>
+              <a:ln>
+                <a:noFill/>
+              </a:ln>
+            </p:spPr>
+            <p:style>
+              <a:lnRef idx="2">
+                <a:schemeClr val="accent1">
+                  <a:shade val="50000"/>
+                </a:schemeClr>
+              </a:lnRef>
+              <a:fillRef idx="1">
+                <a:schemeClr val="accent1"/>
+              </a:fillRef>
+              <a:effectRef idx="0">
+                <a:schemeClr val="accent1"/>
+              </a:effectRef>
+              <a:fontRef idx="minor">
+                <a:schemeClr val="lt1"/>
+              </a:fontRef>
+            </p:style>
+            <p:txBody>
+              <a:bodyPr rtlCol="0" anchor="ctr"/>
+              <a:lstStyle/>
+              <a:p>
+                <a:pPr algn="ctr"/>
+                <a14:m>
+                  <m:oMathPara xmlns:m="http://schemas.openxmlformats.org/officeDocument/2006/math">
+                    <m:oMathParaPr>
+                      <m:jc m:val="centerGroup"/>
+                    </m:oMathParaPr>
+                    <m:oMath xmlns:m="http://schemas.openxmlformats.org/officeDocument/2006/math">
+                      <m:acc>
+                        <m:accPr>
+                          <m:chr m:val="̂"/>
+                          <m:ctrlPr>
+                            <a:rPr lang="en-US" b="0" i="1" smtClean="0">
+                              <a:latin typeface="Cambria Math" panose="02040503050406030204" pitchFamily="18" charset="0"/>
+                            </a:rPr>
+                          </m:ctrlPr>
+                        </m:accPr>
+                        <m:e>
+                          <m:r>
+                            <a:rPr lang="en-US" b="0" i="1" smtClean="0">
+                              <a:latin typeface="Cambria Math" panose="02040503050406030204" pitchFamily="18" charset="0"/>
+                            </a:rPr>
+                            <m:t>𝑌</m:t>
+                          </m:r>
+                        </m:e>
+                      </m:acc>
+                    </m:oMath>
+                  </m:oMathPara>
+                </a14:m>
+                <a:endParaRPr lang="en-US" dirty="0"/>
+              </a:p>
+            </p:txBody>
+          </p:sp>
+        </mc:Choice>
+        <mc:Fallback>
+          <p:sp>
+            <p:nvSpPr>
+              <p:cNvPr id="67" name="Rounded Rectangle 66">
+                <a:extLst>
+                  <a:ext uri="{FF2B5EF4-FFF2-40B4-BE49-F238E27FC236}">
+                    <a16:creationId xmlns:a16="http://schemas.microsoft.com/office/drawing/2014/main" id="{4678D448-0CA1-F52C-FA94-EA7A9372E500}"/>
+                  </a:ext>
+                </a:extLst>
+              </p:cNvPr>
+              <p:cNvSpPr>
+                <a:spLocks noRot="1" noChangeAspect="1" noMove="1" noResize="1" noEditPoints="1" noAdjustHandles="1" noChangeArrowheads="1" noChangeShapeType="1" noTextEdit="1"/>
+              </p:cNvSpPr>
+              <p:nvPr/>
+            </p:nvSpPr>
+            <p:spPr>
+              <a:xfrm>
+                <a:off x="2240153" y="6074093"/>
+                <a:ext cx="835433" cy="475873"/>
+              </a:xfrm>
+              <a:prstGeom prst="roundRect">
+                <a:avLst/>
+              </a:prstGeom>
+              <a:blipFill>
+                <a:blip r:embed="rId6"/>
+                <a:stretch>
+                  <a:fillRect/>
+                </a:stretch>
+              </a:blipFill>
+              <a:ln>
+                <a:noFill/>
+              </a:ln>
+            </p:spPr>
+            <p:txBody>
+              <a:bodyPr/>
+              <a:lstStyle/>
+              <a:p>
+                <a:r>
+                  <a:rPr lang="en-US">
+                    <a:noFill/>
+                  </a:rPr>
+                  <a:t> </a:t>
+                </a:r>
+              </a:p>
+            </p:txBody>
+          </p:sp>
+        </mc:Fallback>
+      </mc:AlternateContent>
+      <mc:AlternateContent xmlns:mc="http://schemas.openxmlformats.org/markup-compatibility/2006">
+        <mc:Choice xmlns:a14="http://schemas.microsoft.com/office/drawing/2010/main" Requires="a14">
+          <p:sp>
+            <p:nvSpPr>
+              <p:cNvPr id="68" name="Rounded Rectangle 67">
+                <a:extLst>
+                  <a:ext uri="{FF2B5EF4-FFF2-40B4-BE49-F238E27FC236}">
+                    <a16:creationId xmlns:a16="http://schemas.microsoft.com/office/drawing/2014/main" id="{8C84BB23-CD36-AC65-D44F-4B71E068AB5A}"/>
+                  </a:ext>
+                </a:extLst>
+              </p:cNvPr>
+              <p:cNvSpPr/>
+              <p:nvPr/>
+            </p:nvSpPr>
+            <p:spPr>
+              <a:xfrm>
+                <a:off x="4254444" y="6074095"/>
+                <a:ext cx="835433" cy="475873"/>
+              </a:xfrm>
+              <a:prstGeom prst="roundRect">
+                <a:avLst/>
+              </a:prstGeom>
+              <a:solidFill>
+                <a:schemeClr val="accent4">
+                  <a:lumMod val="60000"/>
+                  <a:lumOff val="40000"/>
+                </a:schemeClr>
+              </a:solidFill>
+              <a:ln>
+                <a:noFill/>
+              </a:ln>
+            </p:spPr>
+            <p:style>
+              <a:lnRef idx="2">
+                <a:schemeClr val="accent1">
+                  <a:shade val="50000"/>
+                </a:schemeClr>
+              </a:lnRef>
+              <a:fillRef idx="1">
+                <a:schemeClr val="accent1"/>
+              </a:fillRef>
+              <a:effectRef idx="0">
+                <a:schemeClr val="accent1"/>
+              </a:effectRef>
+              <a:fontRef idx="minor">
+                <a:schemeClr val="lt1"/>
+              </a:fontRef>
+            </p:style>
+            <p:txBody>
+              <a:bodyPr rtlCol="0" anchor="ctr"/>
+              <a:lstStyle/>
+              <a:p>
+                <a:pPr algn="ctr"/>
+                <a14:m>
+                  <m:oMathPara xmlns:m="http://schemas.openxmlformats.org/officeDocument/2006/math">
+                    <m:oMathParaPr>
+                      <m:jc m:val="centerGroup"/>
+                    </m:oMathParaPr>
+                    <m:oMath xmlns:m="http://schemas.openxmlformats.org/officeDocument/2006/math">
+                      <m:acc>
+                        <m:accPr>
+                          <m:chr m:val="̂"/>
+                          <m:ctrlPr>
+                            <a:rPr lang="en-US" b="0" i="1" smtClean="0">
+                              <a:latin typeface="Cambria Math" panose="02040503050406030204" pitchFamily="18" charset="0"/>
+                            </a:rPr>
+                          </m:ctrlPr>
+                        </m:accPr>
+                        <m:e>
+                          <m:r>
+                            <a:rPr lang="en-US" b="0" i="1" smtClean="0">
+                              <a:latin typeface="Cambria Math" panose="02040503050406030204" pitchFamily="18" charset="0"/>
+                            </a:rPr>
+                            <m:t>𝑌</m:t>
+                          </m:r>
+                        </m:e>
+                      </m:acc>
+                    </m:oMath>
+                  </m:oMathPara>
+                </a14:m>
+                <a:endParaRPr lang="en-US" dirty="0"/>
+              </a:p>
+            </p:txBody>
+          </p:sp>
+        </mc:Choice>
+        <mc:Fallback>
+          <p:sp>
+            <p:nvSpPr>
+              <p:cNvPr id="68" name="Rounded Rectangle 67">
+                <a:extLst>
+                  <a:ext uri="{FF2B5EF4-FFF2-40B4-BE49-F238E27FC236}">
+                    <a16:creationId xmlns:a16="http://schemas.microsoft.com/office/drawing/2014/main" id="{8C84BB23-CD36-AC65-D44F-4B71E068AB5A}"/>
+                  </a:ext>
+                </a:extLst>
+              </p:cNvPr>
+              <p:cNvSpPr>
+                <a:spLocks noRot="1" noChangeAspect="1" noMove="1" noResize="1" noEditPoints="1" noAdjustHandles="1" noChangeArrowheads="1" noChangeShapeType="1" noTextEdit="1"/>
+              </p:cNvSpPr>
+              <p:nvPr/>
+            </p:nvSpPr>
+            <p:spPr>
+              <a:xfrm>
+                <a:off x="4254444" y="6074095"/>
+                <a:ext cx="835433" cy="475873"/>
+              </a:xfrm>
+              <a:prstGeom prst="roundRect">
+                <a:avLst/>
+              </a:prstGeom>
+              <a:blipFill>
+                <a:blip r:embed="rId7"/>
+                <a:stretch>
+                  <a:fillRect/>
+                </a:stretch>
+              </a:blipFill>
+              <a:ln>
+                <a:noFill/>
+              </a:ln>
+            </p:spPr>
+            <p:txBody>
+              <a:bodyPr/>
+              <a:lstStyle/>
+              <a:p>
+                <a:r>
+                  <a:rPr lang="en-US">
+                    <a:noFill/>
+                  </a:rPr>
+                  <a:t> </a:t>
+                </a:r>
+              </a:p>
+            </p:txBody>
+          </p:sp>
+        </mc:Fallback>
+      </mc:AlternateContent>
+      <mc:AlternateContent xmlns:mc="http://schemas.openxmlformats.org/markup-compatibility/2006">
+        <mc:Choice xmlns:a14="http://schemas.microsoft.com/office/drawing/2010/main" Requires="a14">
+          <p:sp>
+            <p:nvSpPr>
+              <p:cNvPr id="69" name="Rounded Rectangle 68">
+                <a:extLst>
+                  <a:ext uri="{FF2B5EF4-FFF2-40B4-BE49-F238E27FC236}">
+                    <a16:creationId xmlns:a16="http://schemas.microsoft.com/office/drawing/2014/main" id="{7D32901B-7C4E-D310-7164-62110B290059}"/>
+                  </a:ext>
+                </a:extLst>
+              </p:cNvPr>
+              <p:cNvSpPr/>
+              <p:nvPr/>
+            </p:nvSpPr>
+            <p:spPr>
+              <a:xfrm>
+                <a:off x="319913" y="6074094"/>
+                <a:ext cx="835433" cy="475873"/>
+              </a:xfrm>
+              <a:prstGeom prst="roundRect">
+                <a:avLst/>
+              </a:prstGeom>
+              <a:solidFill>
+                <a:schemeClr val="accent4">
+                  <a:lumMod val="60000"/>
+                  <a:lumOff val="40000"/>
+                </a:schemeClr>
+              </a:solidFill>
+              <a:ln>
+                <a:noFill/>
+              </a:ln>
+            </p:spPr>
+            <p:style>
+              <a:lnRef idx="2">
+                <a:schemeClr val="accent1">
+                  <a:shade val="50000"/>
+                </a:schemeClr>
+              </a:lnRef>
+              <a:fillRef idx="1">
+                <a:schemeClr val="accent1"/>
+              </a:fillRef>
+              <a:effectRef idx="0">
+                <a:schemeClr val="accent1"/>
+              </a:effectRef>
+              <a:fontRef idx="minor">
+                <a:schemeClr val="lt1"/>
+              </a:fontRef>
+            </p:style>
+            <p:txBody>
+              <a:bodyPr rtlCol="0" anchor="ctr"/>
+              <a:lstStyle/>
+              <a:p>
+                <a:pPr algn="ctr"/>
+                <a14:m>
+                  <m:oMathPara xmlns:m="http://schemas.openxmlformats.org/officeDocument/2006/math">
+                    <m:oMathParaPr>
+                      <m:jc m:val="centerGroup"/>
+                    </m:oMathParaPr>
+                    <m:oMath xmlns:m="http://schemas.openxmlformats.org/officeDocument/2006/math">
+                      <m:acc>
+                        <m:accPr>
+                          <m:chr m:val="̂"/>
+                          <m:ctrlPr>
+                            <a:rPr lang="en-US" b="0" i="1" smtClean="0">
+                              <a:latin typeface="Cambria Math" panose="02040503050406030204" pitchFamily="18" charset="0"/>
+                            </a:rPr>
+                          </m:ctrlPr>
+                        </m:accPr>
+                        <m:e>
+                          <m:r>
+                            <a:rPr lang="en-US" b="0" i="1" smtClean="0">
+                              <a:latin typeface="Cambria Math" panose="02040503050406030204" pitchFamily="18" charset="0"/>
+                            </a:rPr>
+                            <m:t>𝑌</m:t>
+                          </m:r>
+                        </m:e>
+                      </m:acc>
+                    </m:oMath>
+                  </m:oMathPara>
+                </a14:m>
+                <a:endParaRPr lang="en-US" dirty="0"/>
+              </a:p>
+            </p:txBody>
+          </p:sp>
+        </mc:Choice>
+        <mc:Fallback>
+          <p:sp>
+            <p:nvSpPr>
+              <p:cNvPr id="69" name="Rounded Rectangle 68">
+                <a:extLst>
+                  <a:ext uri="{FF2B5EF4-FFF2-40B4-BE49-F238E27FC236}">
+                    <a16:creationId xmlns:a16="http://schemas.microsoft.com/office/drawing/2014/main" id="{7D32901B-7C4E-D310-7164-62110B290059}"/>
+                  </a:ext>
+                </a:extLst>
+              </p:cNvPr>
+              <p:cNvSpPr>
+                <a:spLocks noRot="1" noChangeAspect="1" noMove="1" noResize="1" noEditPoints="1" noAdjustHandles="1" noChangeArrowheads="1" noChangeShapeType="1" noTextEdit="1"/>
+              </p:cNvSpPr>
+              <p:nvPr/>
+            </p:nvSpPr>
+            <p:spPr>
+              <a:xfrm>
+                <a:off x="319913" y="6074094"/>
+                <a:ext cx="835433" cy="475873"/>
+              </a:xfrm>
+              <a:prstGeom prst="roundRect">
+                <a:avLst/>
+              </a:prstGeom>
+              <a:blipFill>
+                <a:blip r:embed="rId8"/>
+                <a:stretch>
+                  <a:fillRect/>
+                </a:stretch>
+              </a:blipFill>
+              <a:ln>
+                <a:noFill/>
+              </a:ln>
+            </p:spPr>
+            <p:txBody>
+              <a:bodyPr/>
+              <a:lstStyle/>
+              <a:p>
+                <a:r>
+                  <a:rPr lang="en-US">
+                    <a:noFill/>
+                  </a:rPr>
+                  <a:t> </a:t>
+                </a:r>
+              </a:p>
+            </p:txBody>
+          </p:sp>
+        </mc:Fallback>
+      </mc:AlternateContent>
+      <mc:AlternateContent xmlns:mc="http://schemas.openxmlformats.org/markup-compatibility/2006">
+        <mc:Choice xmlns:a14="http://schemas.microsoft.com/office/drawing/2010/main" Requires="a14">
+          <p:sp>
+            <p:nvSpPr>
+              <p:cNvPr id="70" name="Rounded Rectangle 69">
+                <a:extLst>
+                  <a:ext uri="{FF2B5EF4-FFF2-40B4-BE49-F238E27FC236}">
+                    <a16:creationId xmlns:a16="http://schemas.microsoft.com/office/drawing/2014/main" id="{B4B28D8F-57F3-BFB3-0BA6-6F04EDA35E8A}"/>
+                  </a:ext>
+                </a:extLst>
+              </p:cNvPr>
+              <p:cNvSpPr/>
+              <p:nvPr/>
+            </p:nvSpPr>
+            <p:spPr>
+              <a:xfrm>
+                <a:off x="7836281" y="6067935"/>
+                <a:ext cx="835433" cy="475873"/>
+              </a:xfrm>
+              <a:prstGeom prst="roundRect">
+                <a:avLst/>
+              </a:prstGeom>
+              <a:solidFill>
+                <a:schemeClr val="accent3"/>
+              </a:solidFill>
+              <a:ln>
+                <a:noFill/>
+              </a:ln>
+            </p:spPr>
+            <p:style>
+              <a:lnRef idx="2">
+                <a:schemeClr val="accent1">
+                  <a:shade val="50000"/>
+                </a:schemeClr>
+              </a:lnRef>
+              <a:fillRef idx="1">
+                <a:schemeClr val="accent1"/>
+              </a:fillRef>
+              <a:effectRef idx="0">
+                <a:schemeClr val="accent1"/>
+              </a:effectRef>
+              <a:fontRef idx="minor">
+                <a:schemeClr val="lt1"/>
+              </a:fontRef>
+            </p:style>
+            <p:txBody>
+              <a:bodyPr rtlCol="0" anchor="ctr"/>
+              <a:lstStyle/>
+              <a:p>
+                <a:pPr algn="ctr"/>
+                <a14:m>
+                  <m:oMathPara xmlns:m="http://schemas.openxmlformats.org/officeDocument/2006/math">
+                    <m:oMathParaPr>
+                      <m:jc m:val="centerGroup"/>
+                    </m:oMathParaPr>
+                    <m:oMath xmlns:m="http://schemas.openxmlformats.org/officeDocument/2006/math">
+                      <m:r>
+                        <m:rPr>
+                          <m:sty m:val="p"/>
+                        </m:rPr>
+                        <a:rPr lang="en-US">
+                          <a:latin typeface="Cambria Math" panose="02040503050406030204" pitchFamily="18" charset="0"/>
+                        </a:rPr>
+                        <m:t>PheRS</m:t>
+                      </m:r>
+                    </m:oMath>
+                  </m:oMathPara>
+                </a14:m>
+                <a:endParaRPr lang="en-US" dirty="0"/>
+              </a:p>
+            </p:txBody>
+          </p:sp>
+        </mc:Choice>
+        <mc:Fallback>
+          <p:sp>
+            <p:nvSpPr>
+              <p:cNvPr id="70" name="Rounded Rectangle 69">
+                <a:extLst>
+                  <a:ext uri="{FF2B5EF4-FFF2-40B4-BE49-F238E27FC236}">
+                    <a16:creationId xmlns:a16="http://schemas.microsoft.com/office/drawing/2014/main" id="{B4B28D8F-57F3-BFB3-0BA6-6F04EDA35E8A}"/>
+                  </a:ext>
+                </a:extLst>
+              </p:cNvPr>
+              <p:cNvSpPr>
+                <a:spLocks noRot="1" noChangeAspect="1" noMove="1" noResize="1" noEditPoints="1" noAdjustHandles="1" noChangeArrowheads="1" noChangeShapeType="1" noTextEdit="1"/>
+              </p:cNvSpPr>
+              <p:nvPr/>
+            </p:nvSpPr>
+            <p:spPr>
+              <a:xfrm>
+                <a:off x="7836281" y="6067935"/>
+                <a:ext cx="835433" cy="475873"/>
+              </a:xfrm>
+              <a:prstGeom prst="roundRect">
+                <a:avLst/>
+              </a:prstGeom>
+              <a:blipFill>
+                <a:blip r:embed="rId9"/>
+                <a:stretch>
+                  <a:fillRect/>
+                </a:stretch>
+              </a:blipFill>
+              <a:ln>
+                <a:noFill/>
+              </a:ln>
+            </p:spPr>
+            <p:txBody>
+              <a:bodyPr/>
+              <a:lstStyle/>
+              <a:p>
+                <a:r>
+                  <a:rPr lang="en-US">
+                    <a:noFill/>
+                  </a:rPr>
+                  <a:t> </a:t>
+                </a:r>
+              </a:p>
+            </p:txBody>
+          </p:sp>
+        </mc:Fallback>
+      </mc:AlternateContent>
+      <mc:AlternateContent xmlns:mc="http://schemas.openxmlformats.org/markup-compatibility/2006">
+        <mc:Choice xmlns:a14="http://schemas.microsoft.com/office/drawing/2010/main" Requires="a14">
+          <p:sp>
+            <p:nvSpPr>
+              <p:cNvPr id="71" name="Rounded Rectangle 70">
+                <a:extLst>
+                  <a:ext uri="{FF2B5EF4-FFF2-40B4-BE49-F238E27FC236}">
+                    <a16:creationId xmlns:a16="http://schemas.microsoft.com/office/drawing/2014/main" id="{93A6F03A-F9D2-FA7C-7D49-5F5F5898ACA8}"/>
+                  </a:ext>
+                </a:extLst>
+              </p:cNvPr>
+              <p:cNvSpPr/>
+              <p:nvPr/>
+            </p:nvSpPr>
+            <p:spPr>
+              <a:xfrm>
+                <a:off x="10393663" y="6067936"/>
+                <a:ext cx="835433" cy="475873"/>
+              </a:xfrm>
+              <a:prstGeom prst="roundRect">
+                <a:avLst/>
+              </a:prstGeom>
+              <a:solidFill>
+                <a:schemeClr val="accent3"/>
+              </a:solidFill>
+              <a:ln>
+                <a:noFill/>
+              </a:ln>
+            </p:spPr>
+            <p:style>
+              <a:lnRef idx="2">
+                <a:schemeClr val="accent1">
+                  <a:shade val="50000"/>
+                </a:schemeClr>
+              </a:lnRef>
+              <a:fillRef idx="1">
+                <a:schemeClr val="accent1"/>
+              </a:fillRef>
+              <a:effectRef idx="0">
+                <a:schemeClr val="accent1"/>
+              </a:effectRef>
+              <a:fontRef idx="minor">
+                <a:schemeClr val="lt1"/>
+              </a:fontRef>
+            </p:style>
+            <p:txBody>
+              <a:bodyPr rtlCol="0" anchor="ctr"/>
+              <a:lstStyle/>
+              <a:p>
+                <a:pPr algn="ctr"/>
+                <a14:m>
+                  <m:oMathPara xmlns:m="http://schemas.openxmlformats.org/officeDocument/2006/math">
+                    <m:oMathParaPr>
+                      <m:jc m:val="centerGroup"/>
+                    </m:oMathParaPr>
+                    <m:oMath xmlns:m="http://schemas.openxmlformats.org/officeDocument/2006/math">
+                      <m:r>
+                        <m:rPr>
+                          <m:sty m:val="p"/>
+                        </m:rPr>
+                        <a:rPr lang="en-US">
+                          <a:latin typeface="Cambria Math" panose="02040503050406030204" pitchFamily="18" charset="0"/>
+                        </a:rPr>
+                        <m:t>PheRS</m:t>
+                      </m:r>
+                    </m:oMath>
+                  </m:oMathPara>
+                </a14:m>
+                <a:endParaRPr lang="en-US" dirty="0"/>
+              </a:p>
+            </p:txBody>
+          </p:sp>
+        </mc:Choice>
+        <mc:Fallback>
+          <p:sp>
+            <p:nvSpPr>
+              <p:cNvPr id="71" name="Rounded Rectangle 70">
+                <a:extLst>
+                  <a:ext uri="{FF2B5EF4-FFF2-40B4-BE49-F238E27FC236}">
+                    <a16:creationId xmlns:a16="http://schemas.microsoft.com/office/drawing/2014/main" id="{93A6F03A-F9D2-FA7C-7D49-5F5F5898ACA8}"/>
+                  </a:ext>
+                </a:extLst>
+              </p:cNvPr>
+              <p:cNvSpPr>
+                <a:spLocks noRot="1" noChangeAspect="1" noMove="1" noResize="1" noEditPoints="1" noAdjustHandles="1" noChangeArrowheads="1" noChangeShapeType="1" noTextEdit="1"/>
+              </p:cNvSpPr>
+              <p:nvPr/>
+            </p:nvSpPr>
+            <p:spPr>
+              <a:xfrm>
+                <a:off x="10393663" y="6067936"/>
+                <a:ext cx="835433" cy="475873"/>
+              </a:xfrm>
+              <a:prstGeom prst="roundRect">
+                <a:avLst/>
+              </a:prstGeom>
+              <a:blipFill>
+                <a:blip r:embed="rId10"/>
+                <a:stretch>
+                  <a:fillRect/>
+                </a:stretch>
+              </a:blipFill>
+              <a:ln>
+                <a:noFill/>
+              </a:ln>
+            </p:spPr>
+            <p:txBody>
+              <a:bodyPr/>
+              <a:lstStyle/>
+              <a:p>
+                <a:r>
+                  <a:rPr lang="en-US">
+                    <a:noFill/>
+                  </a:rPr>
+                  <a:t> </a:t>
+                </a:r>
+              </a:p>
+            </p:txBody>
+          </p:sp>
+        </mc:Fallback>
+      </mc:AlternateContent>
+      <p:cxnSp>
+        <p:nvCxnSpPr>
+          <p:cNvPr id="73" name="Straight Arrow Connector 72">
+            <a:extLst>
+              <a:ext uri="{FF2B5EF4-FFF2-40B4-BE49-F238E27FC236}">
+                <a16:creationId xmlns:a16="http://schemas.microsoft.com/office/drawing/2014/main" id="{6F0FEC60-D68B-47FF-CF23-E95553EF5697}"/>
+              </a:ext>
+            </a:extLst>
+          </p:cNvPr>
+          <p:cNvCxnSpPr>
+            <a:stCxn id="65" idx="2"/>
+            <a:endCxn id="4" idx="0"/>
+          </p:cNvCxnSpPr>
+          <p:nvPr/>
+        </p:nvCxnSpPr>
+        <p:spPr>
+          <a:xfrm flipH="1">
+            <a:off x="3005912" y="885494"/>
+            <a:ext cx="1808779" cy="184668"/>
+          </a:xfrm>
+          <a:prstGeom prst="straightConnector1">
+            <a:avLst/>
+          </a:prstGeom>
+          <a:ln w="38100">
+            <a:solidFill>
+              <a:schemeClr val="accent4">
+                <a:lumMod val="75000"/>
+              </a:schemeClr>
+            </a:solidFill>
+            <a:tailEnd type="triangle"/>
+          </a:ln>
+        </p:spPr>
+        <p:style>
+          <a:lnRef idx="1">
+            <a:schemeClr val="accent1"/>
+          </a:lnRef>
+          <a:fillRef idx="0">
+            <a:schemeClr val="accent1"/>
+          </a:fillRef>
+          <a:effectRef idx="0">
+            <a:schemeClr val="accent1"/>
+          </a:effectRef>
+          <a:fontRef idx="minor">
+            <a:schemeClr val="tx1"/>
+          </a:fontRef>
+        </p:style>
+      </p:cxnSp>
+      <p:cxnSp>
+        <p:nvCxnSpPr>
+          <p:cNvPr id="75" name="Straight Arrow Connector 74">
+            <a:extLst>
+              <a:ext uri="{FF2B5EF4-FFF2-40B4-BE49-F238E27FC236}">
+                <a16:creationId xmlns:a16="http://schemas.microsoft.com/office/drawing/2014/main" id="{877D6552-B938-7B0F-9D58-3884E47F0202}"/>
+              </a:ext>
+            </a:extLst>
+          </p:cNvPr>
+          <p:cNvCxnSpPr>
+            <a:stCxn id="6" idx="3"/>
+            <a:endCxn id="5" idx="0"/>
+          </p:cNvCxnSpPr>
+          <p:nvPr/>
+        </p:nvCxnSpPr>
+        <p:spPr>
+          <a:xfrm>
+            <a:off x="6019356" y="316940"/>
+            <a:ext cx="3075612" cy="753222"/>
+          </a:xfrm>
+          <a:prstGeom prst="straightConnector1">
+            <a:avLst/>
+          </a:prstGeom>
+          <a:ln w="38100">
+            <a:solidFill>
+              <a:schemeClr val="accent4"/>
+            </a:solidFill>
+            <a:tailEnd type="triangle"/>
+          </a:ln>
+        </p:spPr>
+        <p:style>
+          <a:lnRef idx="1">
+            <a:schemeClr val="accent1"/>
+          </a:lnRef>
+          <a:fillRef idx="0">
+            <a:schemeClr val="accent1"/>
+          </a:fillRef>
+          <a:effectRef idx="0">
+            <a:schemeClr val="accent1"/>
+          </a:effectRef>
+          <a:fontRef idx="minor">
+            <a:schemeClr val="tx1"/>
+          </a:fontRef>
+        </p:style>
+      </p:cxnSp>
+      <p:sp>
+        <p:nvSpPr>
+          <p:cNvPr id="7" name="Rounded Rectangle 6">
+            <a:extLst>
+              <a:ext uri="{FF2B5EF4-FFF2-40B4-BE49-F238E27FC236}">
+                <a16:creationId xmlns:a16="http://schemas.microsoft.com/office/drawing/2014/main" id="{ED22C559-1B42-01B1-3B5F-0E914C6933E7}"/>
+              </a:ext>
+            </a:extLst>
+          </p:cNvPr>
+          <p:cNvSpPr/>
+          <p:nvPr/>
+        </p:nvSpPr>
+        <p:spPr>
+          <a:xfrm>
+            <a:off x="6168888" y="26507"/>
+            <a:ext cx="1845364" cy="576470"/>
+          </a:xfrm>
+          <a:prstGeom prst="roundRect">
+            <a:avLst/>
+          </a:prstGeom>
+          <a:ln>
+            <a:noFill/>
+          </a:ln>
+        </p:spPr>
+        <p:style>
+          <a:lnRef idx="2">
+            <a:schemeClr val="accent3">
+              <a:shade val="50000"/>
+            </a:schemeClr>
+          </a:lnRef>
+          <a:fillRef idx="1">
+            <a:schemeClr val="accent3"/>
+          </a:fillRef>
+          <a:effectRef idx="0">
+            <a:schemeClr val="accent3"/>
+          </a:effectRef>
+          <a:fontRef idx="minor">
+            <a:schemeClr val="lt1"/>
+          </a:fontRef>
+        </p:style>
+        <p:txBody>
+          <a:bodyPr rtlCol="0" anchor="ctr"/>
+          <a:lstStyle/>
+          <a:p>
+            <a:pPr algn="ctr"/>
+            <a:r>
+              <a:rPr lang="en-US" dirty="0">
+                <a:latin typeface="Lato" panose="020F0502020204030203" pitchFamily="34" charset="77"/>
+              </a:rPr>
+              <a:t>UKB</a:t>
+            </a:r>
+          </a:p>
+        </p:txBody>
+      </p:sp>
+      <mc:AlternateContent xmlns:mc="http://schemas.openxmlformats.org/markup-compatibility/2006">
+        <mc:Choice xmlns:a14="http://schemas.microsoft.com/office/drawing/2010/main" Requires="a14">
+          <p:sp>
+            <p:nvSpPr>
+              <p:cNvPr id="76" name="Rounded Rectangle 75">
+                <a:extLst>
+                  <a:ext uri="{FF2B5EF4-FFF2-40B4-BE49-F238E27FC236}">
+                    <a16:creationId xmlns:a16="http://schemas.microsoft.com/office/drawing/2014/main" id="{74FED3AE-CABF-E554-E60A-3FA620A3B35E}"/>
+                  </a:ext>
+                </a:extLst>
+              </p:cNvPr>
+              <p:cNvSpPr/>
+              <p:nvPr/>
+            </p:nvSpPr>
+            <p:spPr>
+              <a:xfrm>
+                <a:off x="7008354" y="6067935"/>
+                <a:ext cx="835433" cy="475873"/>
+              </a:xfrm>
+              <a:prstGeom prst="roundRect">
+                <a:avLst/>
+              </a:prstGeom>
+              <a:solidFill>
+                <a:schemeClr val="accent4"/>
+              </a:solidFill>
+              <a:ln>
+                <a:noFill/>
+              </a:ln>
+            </p:spPr>
+            <p:style>
+              <a:lnRef idx="2">
+                <a:schemeClr val="accent1">
+                  <a:shade val="50000"/>
+                </a:schemeClr>
+              </a:lnRef>
+              <a:fillRef idx="1">
+                <a:schemeClr val="accent1"/>
+              </a:fillRef>
+              <a:effectRef idx="0">
+                <a:schemeClr val="accent1"/>
+              </a:effectRef>
+              <a:fontRef idx="minor">
+                <a:schemeClr val="lt1"/>
+              </a:fontRef>
+            </p:style>
+            <p:txBody>
+              <a:bodyPr rtlCol="0" anchor="ctr"/>
+              <a:lstStyle/>
+              <a:p>
+                <a:pPr algn="ctr"/>
+                <a14:m>
+                  <m:oMathPara xmlns:m="http://schemas.openxmlformats.org/officeDocument/2006/math">
+                    <m:oMathParaPr>
+                      <m:jc m:val="centerGroup"/>
+                    </m:oMathParaPr>
+                    <m:oMath xmlns:m="http://schemas.openxmlformats.org/officeDocument/2006/math">
+                      <m:r>
+                        <m:rPr>
+                          <m:sty m:val="p"/>
+                        </m:rPr>
+                        <a:rPr lang="en-US" b="0" i="0" smtClean="0">
+                          <a:latin typeface="Cambria Math" panose="02040503050406030204" pitchFamily="18" charset="0"/>
+                        </a:rPr>
+                        <m:t>PheRS</m:t>
+                      </m:r>
+                    </m:oMath>
+                  </m:oMathPara>
+                </a14:m>
+                <a:endParaRPr lang="en-US" dirty="0"/>
+              </a:p>
+            </p:txBody>
+          </p:sp>
+        </mc:Choice>
+        <mc:Fallback>
+          <p:sp>
+            <p:nvSpPr>
+              <p:cNvPr id="76" name="Rounded Rectangle 75">
+                <a:extLst>
+                  <a:ext uri="{FF2B5EF4-FFF2-40B4-BE49-F238E27FC236}">
+                    <a16:creationId xmlns:a16="http://schemas.microsoft.com/office/drawing/2014/main" id="{74FED3AE-CABF-E554-E60A-3FA620A3B35E}"/>
+                  </a:ext>
+                </a:extLst>
+              </p:cNvPr>
+              <p:cNvSpPr>
+                <a:spLocks noRot="1" noChangeAspect="1" noMove="1" noResize="1" noEditPoints="1" noAdjustHandles="1" noChangeArrowheads="1" noChangeShapeType="1" noTextEdit="1"/>
+              </p:cNvSpPr>
+              <p:nvPr/>
+            </p:nvSpPr>
+            <p:spPr>
+              <a:xfrm>
+                <a:off x="7008354" y="6067935"/>
+                <a:ext cx="835433" cy="475873"/>
+              </a:xfrm>
+              <a:prstGeom prst="roundRect">
+                <a:avLst/>
+              </a:prstGeom>
+              <a:blipFill>
+                <a:blip r:embed="rId11"/>
+                <a:stretch>
+                  <a:fillRect l="-1515"/>
+                </a:stretch>
+              </a:blipFill>
+              <a:ln>
+                <a:noFill/>
+              </a:ln>
+            </p:spPr>
+            <p:txBody>
+              <a:bodyPr/>
+              <a:lstStyle/>
+              <a:p>
+                <a:r>
+                  <a:rPr lang="en-US">
+                    <a:noFill/>
+                  </a:rPr>
+                  <a:t> </a:t>
+                </a:r>
+              </a:p>
+            </p:txBody>
+          </p:sp>
+        </mc:Fallback>
+      </mc:AlternateContent>
+      <mc:AlternateContent xmlns:mc="http://schemas.openxmlformats.org/markup-compatibility/2006">
+        <mc:Choice xmlns:a14="http://schemas.microsoft.com/office/drawing/2010/main" Requires="a14">
+          <p:sp>
+            <p:nvSpPr>
+              <p:cNvPr id="77" name="Rounded Rectangle 76">
+                <a:extLst>
+                  <a:ext uri="{FF2B5EF4-FFF2-40B4-BE49-F238E27FC236}">
+                    <a16:creationId xmlns:a16="http://schemas.microsoft.com/office/drawing/2014/main" id="{7EBBF6B8-C0D8-CAEA-EC2E-A4B1C8E5C767}"/>
+                  </a:ext>
+                </a:extLst>
+              </p:cNvPr>
+              <p:cNvSpPr/>
+              <p:nvPr/>
+            </p:nvSpPr>
+            <p:spPr>
+              <a:xfrm>
+                <a:off x="9558230" y="6067935"/>
+                <a:ext cx="835433" cy="475873"/>
+              </a:xfrm>
+              <a:prstGeom prst="roundRect">
+                <a:avLst/>
+              </a:prstGeom>
+              <a:solidFill>
+                <a:schemeClr val="accent4"/>
+              </a:solidFill>
+              <a:ln>
+                <a:noFill/>
+              </a:ln>
+            </p:spPr>
+            <p:style>
+              <a:lnRef idx="2">
+                <a:schemeClr val="accent1">
+                  <a:shade val="50000"/>
+                </a:schemeClr>
+              </a:lnRef>
+              <a:fillRef idx="1">
+                <a:schemeClr val="accent1"/>
+              </a:fillRef>
+              <a:effectRef idx="0">
+                <a:schemeClr val="accent1"/>
+              </a:effectRef>
+              <a:fontRef idx="minor">
+                <a:schemeClr val="lt1"/>
+              </a:fontRef>
+            </p:style>
+            <p:txBody>
+              <a:bodyPr rtlCol="0" anchor="ctr"/>
+              <a:lstStyle/>
+              <a:p>
+                <a:pPr algn="ctr"/>
+                <a14:m>
+                  <m:oMathPara xmlns:m="http://schemas.openxmlformats.org/officeDocument/2006/math">
+                    <m:oMathParaPr>
+                      <m:jc m:val="centerGroup"/>
+                    </m:oMathParaPr>
+                    <m:oMath xmlns:m="http://schemas.openxmlformats.org/officeDocument/2006/math">
+                      <m:r>
+                        <m:rPr>
+                          <m:sty m:val="p"/>
+                        </m:rPr>
+                        <a:rPr lang="en-US">
+                          <a:latin typeface="Cambria Math" panose="02040503050406030204" pitchFamily="18" charset="0"/>
+                        </a:rPr>
+                        <m:t>PheRS</m:t>
+                      </m:r>
+                    </m:oMath>
+                  </m:oMathPara>
+                </a14:m>
+                <a:endParaRPr lang="en-US" dirty="0"/>
+              </a:p>
+            </p:txBody>
+          </p:sp>
+        </mc:Choice>
+        <mc:Fallback>
+          <p:sp>
+            <p:nvSpPr>
+              <p:cNvPr id="77" name="Rounded Rectangle 76">
+                <a:extLst>
+                  <a:ext uri="{FF2B5EF4-FFF2-40B4-BE49-F238E27FC236}">
+                    <a16:creationId xmlns:a16="http://schemas.microsoft.com/office/drawing/2014/main" id="{7EBBF6B8-C0D8-CAEA-EC2E-A4B1C8E5C767}"/>
+                  </a:ext>
+                </a:extLst>
+              </p:cNvPr>
+              <p:cNvSpPr>
+                <a:spLocks noRot="1" noChangeAspect="1" noMove="1" noResize="1" noEditPoints="1" noAdjustHandles="1" noChangeArrowheads="1" noChangeShapeType="1" noTextEdit="1"/>
+              </p:cNvSpPr>
+              <p:nvPr/>
+            </p:nvSpPr>
+            <p:spPr>
+              <a:xfrm>
+                <a:off x="9558230" y="6067935"/>
+                <a:ext cx="835433" cy="475873"/>
+              </a:xfrm>
+              <a:prstGeom prst="roundRect">
+                <a:avLst/>
+              </a:prstGeom>
+              <a:blipFill>
+                <a:blip r:embed="rId12"/>
+                <a:stretch>
+                  <a:fillRect/>
+                </a:stretch>
+              </a:blipFill>
+              <a:ln>
+                <a:noFill/>
+              </a:ln>
+            </p:spPr>
+            <p:txBody>
+              <a:bodyPr/>
+              <a:lstStyle/>
+              <a:p>
+                <a:r>
+                  <a:rPr lang="en-US">
+                    <a:noFill/>
+                  </a:rPr>
+                  <a:t> </a:t>
+                </a:r>
+              </a:p>
+            </p:txBody>
+          </p:sp>
+        </mc:Fallback>
+      </mc:AlternateContent>
+      <p:sp>
+        <p:nvSpPr>
+          <p:cNvPr id="78" name="TextBox 77">
+            <a:extLst>
+              <a:ext uri="{FF2B5EF4-FFF2-40B4-BE49-F238E27FC236}">
+                <a16:creationId xmlns:a16="http://schemas.microsoft.com/office/drawing/2014/main" id="{8DA0D586-1636-D5D8-6753-C2DEBCDD0C7D}"/>
+              </a:ext>
+            </a:extLst>
+          </p:cNvPr>
+          <p:cNvSpPr txBox="1"/>
+          <p:nvPr/>
+        </p:nvSpPr>
+        <p:spPr>
+          <a:xfrm>
+            <a:off x="2223" y="2842472"/>
+            <a:ext cx="646331" cy="646331"/>
+          </a:xfrm>
+          <a:prstGeom prst="rect">
+            <a:avLst/>
+          </a:prstGeom>
+          <a:noFill/>
+        </p:spPr>
+        <p:txBody>
+          <a:bodyPr wrap="none" rtlCol="0" anchor="ctr">
+            <a:spAutoFit/>
+          </a:bodyPr>
+          <a:lstStyle/>
+          <a:p>
+            <a:pPr algn="ctr"/>
+            <a:r>
+              <a:rPr lang="en-US" sz="3600" dirty="0"/>
+              <a:t>✔️</a:t>
+            </a:r>
+          </a:p>
+        </p:txBody>
+      </p:sp>
+      <p:sp>
+        <p:nvSpPr>
+          <p:cNvPr id="79" name="TextBox 78">
+            <a:extLst>
+              <a:ext uri="{FF2B5EF4-FFF2-40B4-BE49-F238E27FC236}">
+                <a16:creationId xmlns:a16="http://schemas.microsoft.com/office/drawing/2014/main" id="{2B1A0798-6D15-A2DF-7819-F477C2D0F855}"/>
+              </a:ext>
+            </a:extLst>
+          </p:cNvPr>
+          <p:cNvSpPr txBox="1"/>
+          <p:nvPr/>
+        </p:nvSpPr>
+        <p:spPr>
+          <a:xfrm>
+            <a:off x="3838466" y="2842471"/>
+            <a:ext cx="646331" cy="646331"/>
+          </a:xfrm>
+          <a:prstGeom prst="rect">
+            <a:avLst/>
+          </a:prstGeom>
+          <a:noFill/>
+        </p:spPr>
+        <p:txBody>
+          <a:bodyPr wrap="none" rtlCol="0" anchor="ctr">
+            <a:spAutoFit/>
+          </a:bodyPr>
+          <a:lstStyle/>
+          <a:p>
+            <a:pPr algn="ctr"/>
+            <a:r>
+              <a:rPr lang="en-US" sz="3600" dirty="0"/>
+              <a:t>✔️</a:t>
+            </a:r>
+          </a:p>
+        </p:txBody>
+      </p:sp>
+      <p:sp>
+        <p:nvSpPr>
+          <p:cNvPr id="80" name="TextBox 79">
+            <a:extLst>
+              <a:ext uri="{FF2B5EF4-FFF2-40B4-BE49-F238E27FC236}">
+                <a16:creationId xmlns:a16="http://schemas.microsoft.com/office/drawing/2014/main" id="{876960AE-F46E-A463-4C10-C73AD8DB6D48}"/>
+              </a:ext>
+            </a:extLst>
+          </p:cNvPr>
+          <p:cNvSpPr txBox="1"/>
+          <p:nvPr/>
+        </p:nvSpPr>
+        <p:spPr>
+          <a:xfrm>
+            <a:off x="1920344" y="2842471"/>
+            <a:ext cx="646331" cy="646331"/>
+          </a:xfrm>
+          <a:prstGeom prst="rect">
+            <a:avLst/>
+          </a:prstGeom>
+          <a:noFill/>
+        </p:spPr>
+        <p:txBody>
+          <a:bodyPr wrap="none" rtlCol="0" anchor="ctr">
+            <a:spAutoFit/>
+          </a:bodyPr>
+          <a:lstStyle/>
+          <a:p>
+            <a:pPr algn="ctr"/>
+            <a:r>
+              <a:rPr lang="en-US" sz="3600" dirty="0"/>
+              <a:t>✔️</a:t>
+            </a:r>
+          </a:p>
+        </p:txBody>
+      </p:sp>
+      <p:sp>
+        <p:nvSpPr>
+          <p:cNvPr id="81" name="TextBox 80">
+            <a:extLst>
+              <a:ext uri="{FF2B5EF4-FFF2-40B4-BE49-F238E27FC236}">
+                <a16:creationId xmlns:a16="http://schemas.microsoft.com/office/drawing/2014/main" id="{A80D75AB-4616-4BF1-2D23-91968F9197D0}"/>
+              </a:ext>
+            </a:extLst>
+          </p:cNvPr>
+          <p:cNvSpPr txBox="1"/>
+          <p:nvPr/>
+        </p:nvSpPr>
+        <p:spPr>
+          <a:xfrm>
+            <a:off x="6381093" y="4113356"/>
+            <a:ext cx="646331" cy="646331"/>
+          </a:xfrm>
+          <a:prstGeom prst="rect">
+            <a:avLst/>
+          </a:prstGeom>
+          <a:noFill/>
+        </p:spPr>
+        <p:txBody>
+          <a:bodyPr wrap="none" rtlCol="0" anchor="ctr">
+            <a:spAutoFit/>
+          </a:bodyPr>
+          <a:lstStyle/>
+          <a:p>
+            <a:pPr algn="ctr"/>
+            <a:r>
+              <a:rPr lang="en-US" sz="3600" dirty="0"/>
+              <a:t>✔️</a:t>
+            </a:r>
+          </a:p>
+        </p:txBody>
+      </p:sp>
+      <p:sp>
+        <p:nvSpPr>
+          <p:cNvPr id="82" name="TextBox 81">
+            <a:extLst>
+              <a:ext uri="{FF2B5EF4-FFF2-40B4-BE49-F238E27FC236}">
+                <a16:creationId xmlns:a16="http://schemas.microsoft.com/office/drawing/2014/main" id="{5D421725-BEE7-A907-63F3-BF8457BB5FF5}"/>
+              </a:ext>
+            </a:extLst>
+          </p:cNvPr>
+          <p:cNvSpPr txBox="1"/>
+          <p:nvPr/>
+        </p:nvSpPr>
+        <p:spPr>
+          <a:xfrm>
+            <a:off x="4920838" y="6587933"/>
+            <a:ext cx="2350323" cy="276999"/>
+          </a:xfrm>
+          <a:prstGeom prst="rect">
+            <a:avLst/>
+          </a:prstGeom>
+          <a:noFill/>
+        </p:spPr>
+        <p:txBody>
+          <a:bodyPr wrap="none" rtlCol="0">
+            <a:spAutoFit/>
+          </a:bodyPr>
+          <a:lstStyle/>
+          <a:p>
+            <a:r>
+              <a:rPr lang="en-US" sz="1200" dirty="0">
+                <a:latin typeface="Lato" panose="020F0502020204030203" pitchFamily="34" charset="77"/>
+              </a:rPr>
+              <a:t>Mean-standardize within cohort</a:t>
+            </a:r>
+          </a:p>
+        </p:txBody>
+      </p:sp>
+    </p:spTree>
+    <p:extLst>
+      <p:ext uri="{BB962C8B-B14F-4D97-AF65-F5344CB8AC3E}">
+        <p14:creationId xmlns:p14="http://schemas.microsoft.com/office/powerpoint/2010/main" val="1321775012"/>
       </p:ext>
     </p:extLst>
   </p:cSld>

--- a/docs/flowcharts.pptx
+++ b/docs/flowcharts.pptx
@@ -5024,8 +5024,8 @@
           </a:p>
         </p:txBody>
       </p:sp>
-      <mc:AlternateContent xmlns:mc="http://schemas.openxmlformats.org/markup-compatibility/2006">
-        <mc:Choice xmlns:a14="http://schemas.microsoft.com/office/drawing/2010/main" Requires="a14">
+      <mc:AlternateContent xmlns:mc="http://schemas.openxmlformats.org/markup-compatibility/2006" xmlns:a14="http://schemas.microsoft.com/office/drawing/2010/main">
+        <mc:Choice Requires="a14">
           <p:sp>
             <p:nvSpPr>
               <p:cNvPr id="11" name="Rounded Rectangle 10">
@@ -5115,7 +5115,7 @@
             </p:txBody>
           </p:sp>
         </mc:Choice>
-        <mc:Fallback>
+        <mc:Fallback xmlns="">
           <p:sp>
             <p:nvSpPr>
               <p:cNvPr id="11" name="Rounded Rectangle 10">
@@ -5495,19 +5495,7 @@
               <a:rPr lang="en-US" sz="1400" dirty="0">
                 <a:latin typeface="Lato" panose="020F0502020204030203" pitchFamily="34" charset="77"/>
               </a:rPr>
-              <a:t>Select traits based on </a:t>
-            </a:r>
-            <a:r>
-              <a:rPr lang="en-US" sz="1400" dirty="0" err="1">
-                <a:latin typeface="Lato" panose="020F0502020204030203" pitchFamily="34" charset="77"/>
-              </a:rPr>
-              <a:t>phenomewide</a:t>
-            </a:r>
-            <a:r>
-              <a:rPr lang="en-US" sz="1400" dirty="0">
-                <a:latin typeface="Lato" panose="020F0502020204030203" pitchFamily="34" charset="77"/>
-              </a:rPr>
-              <a:t>-significance threshold of top </a:t>
+              <a:t>Select traits based on phenome wide-significance threshold of top </a:t>
             </a:r>
             <a:r>
               <a:rPr lang="en-US" sz="1400" i="1" dirty="0">
@@ -6367,8 +6355,8 @@
           </a:p>
         </p:txBody>
       </p:sp>
-      <mc:AlternateContent xmlns:mc="http://schemas.openxmlformats.org/markup-compatibility/2006">
-        <mc:Choice xmlns:a14="http://schemas.microsoft.com/office/drawing/2010/main" Requires="a14">
+      <mc:AlternateContent xmlns:mc="http://schemas.openxmlformats.org/markup-compatibility/2006" xmlns:a14="http://schemas.microsoft.com/office/drawing/2010/main">
+        <mc:Choice Requires="a14">
           <p:sp>
             <p:nvSpPr>
               <p:cNvPr id="61" name="Rounded Rectangle 60">
@@ -6449,7 +6437,7 @@
             </p:txBody>
           </p:sp>
         </mc:Choice>
-        <mc:Fallback>
+        <mc:Fallback xmlns="">
           <p:sp>
             <p:nvSpPr>
               <p:cNvPr id="61" name="Rounded Rectangle 60">
@@ -6497,8 +6485,8 @@
           </p:sp>
         </mc:Fallback>
       </mc:AlternateContent>
-      <mc:AlternateContent xmlns:mc="http://schemas.openxmlformats.org/markup-compatibility/2006">
-        <mc:Choice xmlns:a14="http://schemas.microsoft.com/office/drawing/2010/main" Requires="a14">
+      <mc:AlternateContent xmlns:mc="http://schemas.openxmlformats.org/markup-compatibility/2006" xmlns:a14="http://schemas.microsoft.com/office/drawing/2010/main">
+        <mc:Choice Requires="a14">
           <p:sp>
             <p:nvSpPr>
               <p:cNvPr id="62" name="Rounded Rectangle 61">
@@ -6579,7 +6567,7 @@
             </p:txBody>
           </p:sp>
         </mc:Choice>
-        <mc:Fallback>
+        <mc:Fallback xmlns="">
           <p:sp>
             <p:nvSpPr>
               <p:cNvPr id="62" name="Rounded Rectangle 61">
@@ -6627,8 +6615,8 @@
           </p:sp>
         </mc:Fallback>
       </mc:AlternateContent>
-      <mc:AlternateContent xmlns:mc="http://schemas.openxmlformats.org/markup-compatibility/2006">
-        <mc:Choice xmlns:a14="http://schemas.microsoft.com/office/drawing/2010/main" Requires="a14">
+      <mc:AlternateContent xmlns:mc="http://schemas.openxmlformats.org/markup-compatibility/2006" xmlns:a14="http://schemas.microsoft.com/office/drawing/2010/main">
+        <mc:Choice Requires="a14">
           <p:sp>
             <p:nvSpPr>
               <p:cNvPr id="63" name="Rounded Rectangle 62">
@@ -6709,7 +6697,7 @@
             </p:txBody>
           </p:sp>
         </mc:Choice>
-        <mc:Fallback>
+        <mc:Fallback xmlns="">
           <p:sp>
             <p:nvSpPr>
               <p:cNvPr id="63" name="Rounded Rectangle 62">
@@ -6876,8 +6864,8 @@
           </a:p>
         </p:txBody>
       </p:sp>
-      <mc:AlternateContent xmlns:mc="http://schemas.openxmlformats.org/markup-compatibility/2006">
-        <mc:Choice xmlns:a14="http://schemas.microsoft.com/office/drawing/2010/main" Requires="a14">
+      <mc:AlternateContent xmlns:mc="http://schemas.openxmlformats.org/markup-compatibility/2006" xmlns:a14="http://schemas.microsoft.com/office/drawing/2010/main">
+        <mc:Choice Requires="a14">
           <p:sp>
             <p:nvSpPr>
               <p:cNvPr id="67" name="Rounded Rectangle 66">
@@ -6961,7 +6949,7 @@
             </p:txBody>
           </p:sp>
         </mc:Choice>
-        <mc:Fallback>
+        <mc:Fallback xmlns="">
           <p:sp>
             <p:nvSpPr>
               <p:cNvPr id="67" name="Rounded Rectangle 66">
@@ -7009,8 +6997,8 @@
           </p:sp>
         </mc:Fallback>
       </mc:AlternateContent>
-      <mc:AlternateContent xmlns:mc="http://schemas.openxmlformats.org/markup-compatibility/2006">
-        <mc:Choice xmlns:a14="http://schemas.microsoft.com/office/drawing/2010/main" Requires="a14">
+      <mc:AlternateContent xmlns:mc="http://schemas.openxmlformats.org/markup-compatibility/2006" xmlns:a14="http://schemas.microsoft.com/office/drawing/2010/main">
+        <mc:Choice Requires="a14">
           <p:sp>
             <p:nvSpPr>
               <p:cNvPr id="68" name="Rounded Rectangle 67">
@@ -7094,7 +7082,7 @@
             </p:txBody>
           </p:sp>
         </mc:Choice>
-        <mc:Fallback>
+        <mc:Fallback xmlns="">
           <p:sp>
             <p:nvSpPr>
               <p:cNvPr id="68" name="Rounded Rectangle 67">
@@ -7142,8 +7130,8 @@
           </p:sp>
         </mc:Fallback>
       </mc:AlternateContent>
-      <mc:AlternateContent xmlns:mc="http://schemas.openxmlformats.org/markup-compatibility/2006">
-        <mc:Choice xmlns:a14="http://schemas.microsoft.com/office/drawing/2010/main" Requires="a14">
+      <mc:AlternateContent xmlns:mc="http://schemas.openxmlformats.org/markup-compatibility/2006" xmlns:a14="http://schemas.microsoft.com/office/drawing/2010/main">
+        <mc:Choice Requires="a14">
           <p:sp>
             <p:nvSpPr>
               <p:cNvPr id="69" name="Rounded Rectangle 68">
@@ -7227,7 +7215,7 @@
             </p:txBody>
           </p:sp>
         </mc:Choice>
-        <mc:Fallback>
+        <mc:Fallback xmlns="">
           <p:sp>
             <p:nvSpPr>
               <p:cNvPr id="69" name="Rounded Rectangle 68">
@@ -7275,8 +7263,8 @@
           </p:sp>
         </mc:Fallback>
       </mc:AlternateContent>
-      <mc:AlternateContent xmlns:mc="http://schemas.openxmlformats.org/markup-compatibility/2006">
-        <mc:Choice xmlns:a14="http://schemas.microsoft.com/office/drawing/2010/main" Requires="a14">
+      <mc:AlternateContent xmlns:mc="http://schemas.openxmlformats.org/markup-compatibility/2006" xmlns:a14="http://schemas.microsoft.com/office/drawing/2010/main">
+        <mc:Choice Requires="a14">
           <p:sp>
             <p:nvSpPr>
               <p:cNvPr id="70" name="Rounded Rectangle 69">
@@ -7348,7 +7336,7 @@
             </p:txBody>
           </p:sp>
         </mc:Choice>
-        <mc:Fallback>
+        <mc:Fallback xmlns="">
           <p:sp>
             <p:nvSpPr>
               <p:cNvPr id="70" name="Rounded Rectangle 69">
@@ -7396,8 +7384,8 @@
           </p:sp>
         </mc:Fallback>
       </mc:AlternateContent>
-      <mc:AlternateContent xmlns:mc="http://schemas.openxmlformats.org/markup-compatibility/2006">
-        <mc:Choice xmlns:a14="http://schemas.microsoft.com/office/drawing/2010/main" Requires="a14">
+      <mc:AlternateContent xmlns:mc="http://schemas.openxmlformats.org/markup-compatibility/2006" xmlns:a14="http://schemas.microsoft.com/office/drawing/2010/main">
+        <mc:Choice Requires="a14">
           <p:sp>
             <p:nvSpPr>
               <p:cNvPr id="71" name="Rounded Rectangle 70">
@@ -7469,7 +7457,7 @@
             </p:txBody>
           </p:sp>
         </mc:Choice>
-        <mc:Fallback>
+        <mc:Fallback xmlns="">
           <p:sp>
             <p:nvSpPr>
               <p:cNvPr id="71" name="Rounded Rectangle 70">
@@ -7663,8 +7651,8 @@
           </a:p>
         </p:txBody>
       </p:sp>
-      <mc:AlternateContent xmlns:mc="http://schemas.openxmlformats.org/markup-compatibility/2006">
-        <mc:Choice xmlns:a14="http://schemas.microsoft.com/office/drawing/2010/main" Requires="a14">
+      <mc:AlternateContent xmlns:mc="http://schemas.openxmlformats.org/markup-compatibility/2006" xmlns:a14="http://schemas.microsoft.com/office/drawing/2010/main">
+        <mc:Choice Requires="a14">
           <p:sp>
             <p:nvSpPr>
               <p:cNvPr id="76" name="Rounded Rectangle 75">
@@ -7736,7 +7724,7 @@
             </p:txBody>
           </p:sp>
         </mc:Choice>
-        <mc:Fallback>
+        <mc:Fallback xmlns="">
           <p:sp>
             <p:nvSpPr>
               <p:cNvPr id="76" name="Rounded Rectangle 75">
@@ -7784,8 +7772,8 @@
           </p:sp>
         </mc:Fallback>
       </mc:AlternateContent>
-      <mc:AlternateContent xmlns:mc="http://schemas.openxmlformats.org/markup-compatibility/2006">
-        <mc:Choice xmlns:a14="http://schemas.microsoft.com/office/drawing/2010/main" Requires="a14">
+      <mc:AlternateContent xmlns:mc="http://schemas.openxmlformats.org/markup-compatibility/2006" xmlns:a14="http://schemas.microsoft.com/office/drawing/2010/main">
+        <mc:Choice Requires="a14">
           <p:sp>
             <p:nvSpPr>
               <p:cNvPr id="77" name="Rounded Rectangle 76">
@@ -7857,7 +7845,7 @@
             </p:txBody>
           </p:sp>
         </mc:Choice>
-        <mc:Fallback>
+        <mc:Fallback xmlns="">
           <p:sp>
             <p:nvSpPr>
               <p:cNvPr id="77" name="Rounded Rectangle 76">
@@ -8082,6 +8070,82 @@
                 <a:latin typeface="Lato" panose="020F0502020204030203" pitchFamily="34" charset="77"/>
               </a:rPr>
               <a:t>Mean-standardize within cohort</a:t>
+            </a:r>
+          </a:p>
+        </p:txBody>
+      </p:sp>
+      <p:sp>
+        <p:nvSpPr>
+          <p:cNvPr id="8" name="Rectangle 7">
+            <a:extLst>
+              <a:ext uri="{FF2B5EF4-FFF2-40B4-BE49-F238E27FC236}">
+                <a16:creationId xmlns:a16="http://schemas.microsoft.com/office/drawing/2014/main" id="{9EDE336E-D588-7F58-B68A-7FCDFC350CD5}"/>
+              </a:ext>
+            </a:extLst>
+          </p:cNvPr>
+          <p:cNvSpPr/>
+          <p:nvPr/>
+        </p:nvSpPr>
+        <p:spPr>
+          <a:xfrm>
+            <a:off x="242828" y="377661"/>
+            <a:ext cx="3775449" cy="646331"/>
+          </a:xfrm>
+          <a:prstGeom prst="rect">
+            <a:avLst/>
+          </a:prstGeom>
+          <a:solidFill>
+            <a:schemeClr val="accent2"/>
+          </a:solidFill>
+          <a:ln>
+            <a:noFill/>
+          </a:ln>
+          <a:effectLst>
+            <a:outerShdw blurRad="50800" dist="38100" dir="2700000" algn="tl" rotWithShape="0">
+              <a:prstClr val="black">
+                <a:alpha val="40000"/>
+              </a:prstClr>
+            </a:outerShdw>
+          </a:effectLst>
+        </p:spPr>
+        <p:style>
+          <a:lnRef idx="2">
+            <a:schemeClr val="accent1">
+              <a:shade val="50000"/>
+            </a:schemeClr>
+          </a:lnRef>
+          <a:fillRef idx="1">
+            <a:schemeClr val="accent1"/>
+          </a:fillRef>
+          <a:effectRef idx="0">
+            <a:schemeClr val="accent1"/>
+          </a:effectRef>
+          <a:fontRef idx="minor">
+            <a:schemeClr val="lt1"/>
+          </a:fontRef>
+        </p:style>
+        <p:txBody>
+          <a:bodyPr rtlCol="0" anchor="ctr"/>
+          <a:lstStyle/>
+          <a:p>
+            <a:pPr algn="ctr"/>
+            <a:r>
+              <a:rPr lang="en-US" sz="1400" dirty="0">
+                <a:latin typeface="Andale Mono" panose="020B0509000000000004" pitchFamily="49" charset="0"/>
+              </a:rPr>
+              <a:t>Add correlation thresholding here and remove “leaf” </a:t>
+            </a:r>
+            <a:r>
+              <a:rPr lang="en-US" sz="1400" dirty="0" err="1">
+                <a:latin typeface="Andale Mono" panose="020B0509000000000004" pitchFamily="49" charset="0"/>
+              </a:rPr>
+              <a:t>phecodes</a:t>
+            </a:r>
+            <a:r>
+              <a:rPr lang="en-US" sz="1400" dirty="0">
+                <a:latin typeface="Andale Mono" panose="020B0509000000000004" pitchFamily="49" charset="0"/>
+              </a:rPr>
+              <a:t>?</a:t>
             </a:r>
           </a:p>
         </p:txBody>

--- a/docs/flowcharts.pptx
+++ b/docs/flowcharts.pptx
@@ -260,7 +260,7 @@
           <a:p>
             <a:fld id="{56A52284-4F88-684B-B211-7D10E157D84B}" type="datetimeFigureOut">
               <a:rPr lang="en-US" smtClean="0"/>
-              <a:t>3/10/23</a:t>
+              <a:t>3/15/23</a:t>
             </a:fld>
             <a:endParaRPr lang="en-US"/>
           </a:p>
@@ -458,7 +458,7 @@
           <a:p>
             <a:fld id="{56A52284-4F88-684B-B211-7D10E157D84B}" type="datetimeFigureOut">
               <a:rPr lang="en-US" smtClean="0"/>
-              <a:t>3/10/23</a:t>
+              <a:t>3/15/23</a:t>
             </a:fld>
             <a:endParaRPr lang="en-US"/>
           </a:p>
@@ -666,7 +666,7 @@
           <a:p>
             <a:fld id="{56A52284-4F88-684B-B211-7D10E157D84B}" type="datetimeFigureOut">
               <a:rPr lang="en-US" smtClean="0"/>
-              <a:t>3/10/23</a:t>
+              <a:t>3/15/23</a:t>
             </a:fld>
             <a:endParaRPr lang="en-US"/>
           </a:p>
@@ -864,7 +864,7 @@
           <a:p>
             <a:fld id="{56A52284-4F88-684B-B211-7D10E157D84B}" type="datetimeFigureOut">
               <a:rPr lang="en-US" smtClean="0"/>
-              <a:t>3/10/23</a:t>
+              <a:t>3/15/23</a:t>
             </a:fld>
             <a:endParaRPr lang="en-US"/>
           </a:p>
@@ -1139,7 +1139,7 @@
           <a:p>
             <a:fld id="{56A52284-4F88-684B-B211-7D10E157D84B}" type="datetimeFigureOut">
               <a:rPr lang="en-US" smtClean="0"/>
-              <a:t>3/10/23</a:t>
+              <a:t>3/15/23</a:t>
             </a:fld>
             <a:endParaRPr lang="en-US"/>
           </a:p>
@@ -1404,7 +1404,7 @@
           <a:p>
             <a:fld id="{56A52284-4F88-684B-B211-7D10E157D84B}" type="datetimeFigureOut">
               <a:rPr lang="en-US" smtClean="0"/>
-              <a:t>3/10/23</a:t>
+              <a:t>3/15/23</a:t>
             </a:fld>
             <a:endParaRPr lang="en-US"/>
           </a:p>
@@ -1816,7 +1816,7 @@
           <a:p>
             <a:fld id="{56A52284-4F88-684B-B211-7D10E157D84B}" type="datetimeFigureOut">
               <a:rPr lang="en-US" smtClean="0"/>
-              <a:t>3/10/23</a:t>
+              <a:t>3/15/23</a:t>
             </a:fld>
             <a:endParaRPr lang="en-US"/>
           </a:p>
@@ -1957,7 +1957,7 @@
           <a:p>
             <a:fld id="{56A52284-4F88-684B-B211-7D10E157D84B}" type="datetimeFigureOut">
               <a:rPr lang="en-US" smtClean="0"/>
-              <a:t>3/10/23</a:t>
+              <a:t>3/15/23</a:t>
             </a:fld>
             <a:endParaRPr lang="en-US"/>
           </a:p>
@@ -2070,7 +2070,7 @@
           <a:p>
             <a:fld id="{56A52284-4F88-684B-B211-7D10E157D84B}" type="datetimeFigureOut">
               <a:rPr lang="en-US" smtClean="0"/>
-              <a:t>3/10/23</a:t>
+              <a:t>3/15/23</a:t>
             </a:fld>
             <a:endParaRPr lang="en-US"/>
           </a:p>
@@ -2381,7 +2381,7 @@
           <a:p>
             <a:fld id="{56A52284-4F88-684B-B211-7D10E157D84B}" type="datetimeFigureOut">
               <a:rPr lang="en-US" smtClean="0"/>
-              <a:t>3/10/23</a:t>
+              <a:t>3/15/23</a:t>
             </a:fld>
             <a:endParaRPr lang="en-US"/>
           </a:p>
@@ -2672,7 +2672,7 @@
           <a:p>
             <a:fld id="{56A52284-4F88-684B-B211-7D10E157D84B}" type="datetimeFigureOut">
               <a:rPr lang="en-US" smtClean="0"/>
-              <a:t>3/10/23</a:t>
+              <a:t>3/15/23</a:t>
             </a:fld>
             <a:endParaRPr lang="en-US"/>
           </a:p>
@@ -2915,7 +2915,7 @@
             <a:fld id="{56A52284-4F88-684B-B211-7D10E157D84B}" type="datetimeFigureOut">
               <a:rPr lang="en-US" smtClean="0"/>
               <a:pPr/>
-              <a:t>3/10/23</a:t>
+              <a:t>3/15/23</a:t>
             </a:fld>
             <a:endParaRPr lang="en-US"/>
           </a:p>
@@ -4479,20 +4479,16 @@
         <p:spPr>
           <a:xfrm>
             <a:off x="1184833" y="2266674"/>
-            <a:ext cx="2651233" cy="995222"/>
+            <a:ext cx="2651233" cy="996696"/>
           </a:xfrm>
           <a:prstGeom prst="rect">
             <a:avLst/>
           </a:prstGeom>
           <a:solidFill>
-            <a:schemeClr val="accent2">
-              <a:alpha val="80000"/>
-            </a:schemeClr>
+            <a:schemeClr val="accent2"/>
           </a:solidFill>
           <a:ln w="31750">
-            <a:solidFill>
-              <a:schemeClr val="accent2"/>
-            </a:solidFill>
+            <a:noFill/>
             <a:prstDash val="dash"/>
           </a:ln>
         </p:spPr>
@@ -4518,7 +4514,7 @@
           <a:p>
             <a:pPr algn="ctr"/>
             <a:r>
-              <a:rPr lang="en-US" sz="1200" dirty="0">
+              <a:rPr lang="en-US" sz="1200" u="sng" dirty="0">
                 <a:latin typeface="Fira Code" panose="020B0809050000020004" pitchFamily="49" charset="0"/>
                 <a:ea typeface="Fira Code" panose="020B0809050000020004" pitchFamily="49" charset="0"/>
               </a:rPr>
@@ -4553,6 +4549,69 @@
                 <a:ea typeface="Fira Code" panose="020B0809050000020004" pitchFamily="49" charset="0"/>
               </a:rPr>
               <a:t>02_group_lasso.R</a:t>
+            </a:r>
+          </a:p>
+        </p:txBody>
+      </p:sp>
+      <p:sp>
+        <p:nvSpPr>
+          <p:cNvPr id="3" name="Rectangle 2">
+            <a:extLst>
+              <a:ext uri="{FF2B5EF4-FFF2-40B4-BE49-F238E27FC236}">
+                <a16:creationId xmlns:a16="http://schemas.microsoft.com/office/drawing/2014/main" id="{2455477E-1C45-ADD6-86FF-8579ADD57069}"/>
+              </a:ext>
+            </a:extLst>
+          </p:cNvPr>
+          <p:cNvSpPr/>
+          <p:nvPr/>
+        </p:nvSpPr>
+        <p:spPr>
+          <a:xfrm>
+            <a:off x="7270577" y="3330126"/>
+            <a:ext cx="3422524" cy="441434"/>
+          </a:xfrm>
+          <a:prstGeom prst="rect">
+            <a:avLst/>
+          </a:prstGeom>
+          <a:solidFill>
+            <a:schemeClr val="accent3">
+              <a:alpha val="80000"/>
+            </a:schemeClr>
+          </a:solidFill>
+          <a:ln w="38100">
+            <a:solidFill>
+              <a:schemeClr val="accent3"/>
+            </a:solidFill>
+            <a:prstDash val="dash"/>
+          </a:ln>
+        </p:spPr>
+        <p:style>
+          <a:lnRef idx="2">
+            <a:schemeClr val="accent1">
+              <a:shade val="50000"/>
+            </a:schemeClr>
+          </a:lnRef>
+          <a:fillRef idx="1">
+            <a:schemeClr val="accent1"/>
+          </a:fillRef>
+          <a:effectRef idx="0">
+            <a:schemeClr val="accent1"/>
+          </a:effectRef>
+          <a:fontRef idx="minor">
+            <a:schemeClr val="lt1"/>
+          </a:fontRef>
+        </p:style>
+        <p:txBody>
+          <a:bodyPr rtlCol="0" anchor="ctr"/>
+          <a:lstStyle/>
+          <a:p>
+            <a:pPr algn="ctr"/>
+            <a:r>
+              <a:rPr lang="en-US" sz="1200" dirty="0">
+                <a:latin typeface="Fira Code" panose="020B0809050000020004" pitchFamily="49" charset="0"/>
+                <a:ea typeface="Fira Code" panose="020B0809050000020004" pitchFamily="49" charset="0"/>
+              </a:rPr>
+              <a:t>03_calculate_multivariable_phers.R</a:t>
             </a:r>
           </a:p>
         </p:txBody>
@@ -5671,14 +5730,14 @@
           </p:cNvPr>
           <p:cNvCxnSpPr>
             <a:cxnSpLocks/>
-            <a:endCxn id="20" idx="0"/>
+            <a:endCxn id="48" idx="0"/>
           </p:cNvCxnSpPr>
           <p:nvPr/>
         </p:nvCxnSpPr>
         <p:spPr>
           <a:xfrm>
             <a:off x="9201674" y="4012250"/>
-            <a:ext cx="1148068" cy="214071"/>
+            <a:ext cx="588435" cy="671054"/>
           </a:xfrm>
           <a:prstGeom prst="straightConnector1">
             <a:avLst/>
@@ -6013,7 +6072,15 @@
             <a:pPr algn="ctr"/>
             <a:r>
               <a:rPr lang="en-US" sz="1200" dirty="0"/>
-              <a:t>Weighted logistic regression of selected and filtered </a:t>
+              <a:t>Weighted RIDGE regression of </a:t>
+            </a:r>
+            <a:r>
+              <a:rPr lang="en-US" sz="1200" b="1" i="1" dirty="0"/>
+              <a:t>selected</a:t>
+            </a:r>
+            <a:r>
+              <a:rPr lang="en-US" sz="1200" dirty="0"/>
+              <a:t> </a:t>
             </a:r>
             <a:r>
               <a:rPr lang="en-US" sz="1200" dirty="0" err="1"/>
@@ -8150,6 +8217,153 @@
           </a:p>
         </p:txBody>
       </p:sp>
+      <p:sp>
+        <p:nvSpPr>
+          <p:cNvPr id="12" name="TextBox 11">
+            <a:extLst>
+              <a:ext uri="{FF2B5EF4-FFF2-40B4-BE49-F238E27FC236}">
+                <a16:creationId xmlns:a16="http://schemas.microsoft.com/office/drawing/2014/main" id="{0E2DB5C9-3C60-96B0-F11A-3B171D38F20E}"/>
+              </a:ext>
+            </a:extLst>
+          </p:cNvPr>
+          <p:cNvSpPr txBox="1"/>
+          <p:nvPr/>
+        </p:nvSpPr>
+        <p:spPr>
+          <a:xfrm>
+            <a:off x="8921975" y="4113356"/>
+            <a:ext cx="646331" cy="646331"/>
+          </a:xfrm>
+          <a:prstGeom prst="rect">
+            <a:avLst/>
+          </a:prstGeom>
+          <a:noFill/>
+        </p:spPr>
+        <p:txBody>
+          <a:bodyPr wrap="none" rtlCol="0" anchor="ctr">
+            <a:spAutoFit/>
+          </a:bodyPr>
+          <a:lstStyle/>
+          <a:p>
+            <a:pPr algn="ctr"/>
+            <a:r>
+              <a:rPr lang="en-US" sz="3600" dirty="0"/>
+              <a:t>✔️</a:t>
+            </a:r>
+          </a:p>
+        </p:txBody>
+      </p:sp>
+      <p:sp>
+        <p:nvSpPr>
+          <p:cNvPr id="13" name="Rectangle 12">
+            <a:extLst>
+              <a:ext uri="{FF2B5EF4-FFF2-40B4-BE49-F238E27FC236}">
+                <a16:creationId xmlns:a16="http://schemas.microsoft.com/office/drawing/2014/main" id="{83BFBAE7-7193-0878-C0BF-66A59B05AB70}"/>
+              </a:ext>
+            </a:extLst>
+          </p:cNvPr>
+          <p:cNvSpPr/>
+          <p:nvPr/>
+        </p:nvSpPr>
+        <p:spPr>
+          <a:xfrm>
+            <a:off x="57544" y="3420238"/>
+            <a:ext cx="3775449" cy="646331"/>
+          </a:xfrm>
+          <a:prstGeom prst="rect">
+            <a:avLst/>
+          </a:prstGeom>
+          <a:solidFill>
+            <a:schemeClr val="accent2"/>
+          </a:solidFill>
+          <a:ln>
+            <a:noFill/>
+          </a:ln>
+          <a:effectLst>
+            <a:outerShdw blurRad="50800" dist="38100" dir="2700000" algn="tl" rotWithShape="0">
+              <a:prstClr val="black">
+                <a:alpha val="40000"/>
+              </a:prstClr>
+            </a:outerShdw>
+          </a:effectLst>
+        </p:spPr>
+        <p:style>
+          <a:lnRef idx="2">
+            <a:schemeClr val="accent1">
+              <a:shade val="50000"/>
+            </a:schemeClr>
+          </a:lnRef>
+          <a:fillRef idx="1">
+            <a:schemeClr val="accent1"/>
+          </a:fillRef>
+          <a:effectRef idx="0">
+            <a:schemeClr val="accent1"/>
+          </a:effectRef>
+          <a:fontRef idx="minor">
+            <a:schemeClr val="lt1"/>
+          </a:fontRef>
+        </p:style>
+        <p:txBody>
+          <a:bodyPr rtlCol="0" anchor="ctr"/>
+          <a:lstStyle/>
+          <a:p>
+            <a:pPr algn="ctr"/>
+            <a:r>
+              <a:rPr lang="en-US" sz="1400" dirty="0">
+                <a:latin typeface="Andale Mono" panose="020B0509000000000004" pitchFamily="49" charset="0"/>
+              </a:rPr>
+              <a:t>Add PCA approach</a:t>
+            </a:r>
+          </a:p>
+        </p:txBody>
+      </p:sp>
+      <p:cxnSp>
+        <p:nvCxnSpPr>
+          <p:cNvPr id="18" name="Elbow Connector 17">
+            <a:extLst>
+              <a:ext uri="{FF2B5EF4-FFF2-40B4-BE49-F238E27FC236}">
+                <a16:creationId xmlns:a16="http://schemas.microsoft.com/office/drawing/2014/main" id="{F994C1A3-B6E0-1D5C-B03A-DEEA1CB87D7A}"/>
+              </a:ext>
+            </a:extLst>
+          </p:cNvPr>
+          <p:cNvCxnSpPr>
+            <a:endCxn id="50" idx="3"/>
+          </p:cNvCxnSpPr>
+          <p:nvPr/>
+        </p:nvCxnSpPr>
+        <p:spPr>
+          <a:xfrm rot="16200000" flipH="1">
+            <a:off x="10261886" y="4036508"/>
+            <a:ext cx="2303004" cy="199083"/>
+          </a:xfrm>
+          <a:prstGeom prst="bentConnector4">
+            <a:avLst>
+              <a:gd name="adj1" fmla="val 446"/>
+              <a:gd name="adj2" fmla="val 214826"/>
+            </a:avLst>
+          </a:prstGeom>
+          <a:ln w="38100">
+            <a:solidFill>
+              <a:schemeClr val="accent6"/>
+            </a:solidFill>
+            <a:tailEnd type="triangle"/>
+          </a:ln>
+        </p:spPr>
+        <p:style>
+          <a:lnRef idx="1">
+            <a:schemeClr val="accent1"/>
+          </a:lnRef>
+          <a:fillRef idx="0">
+            <a:schemeClr val="accent1"/>
+          </a:fillRef>
+          <a:effectRef idx="0">
+            <a:schemeClr val="accent1"/>
+          </a:effectRef>
+          <a:fontRef idx="minor">
+            <a:schemeClr val="tx1"/>
+          </a:fontRef>
+        </p:style>
+      </p:cxnSp>
     </p:spTree>
     <p:extLst>
       <p:ext uri="{BB962C8B-B14F-4D97-AF65-F5344CB8AC3E}">

--- a/docs/flowcharts.pptx
+++ b/docs/flowcharts.pptx
@@ -7,6 +7,7 @@
   <p:sldIdLst>
     <p:sldId id="256" r:id="rId2"/>
     <p:sldId id="257" r:id="rId3"/>
+    <p:sldId id="258" r:id="rId4"/>
   </p:sldIdLst>
   <p:sldSz cx="12192000" cy="6858000"/>
   <p:notesSz cx="6858000" cy="9144000"/>
@@ -260,7 +261,7 @@
           <a:p>
             <a:fld id="{56A52284-4F88-684B-B211-7D10E157D84B}" type="datetimeFigureOut">
               <a:rPr lang="en-US" smtClean="0"/>
-              <a:t>3/15/23</a:t>
+              <a:t>3/17/23</a:t>
             </a:fld>
             <a:endParaRPr lang="en-US"/>
           </a:p>
@@ -458,7 +459,7 @@
           <a:p>
             <a:fld id="{56A52284-4F88-684B-B211-7D10E157D84B}" type="datetimeFigureOut">
               <a:rPr lang="en-US" smtClean="0"/>
-              <a:t>3/15/23</a:t>
+              <a:t>3/17/23</a:t>
             </a:fld>
             <a:endParaRPr lang="en-US"/>
           </a:p>
@@ -666,7 +667,7 @@
           <a:p>
             <a:fld id="{56A52284-4F88-684B-B211-7D10E157D84B}" type="datetimeFigureOut">
               <a:rPr lang="en-US" smtClean="0"/>
-              <a:t>3/15/23</a:t>
+              <a:t>3/17/23</a:t>
             </a:fld>
             <a:endParaRPr lang="en-US"/>
           </a:p>
@@ -864,7 +865,7 @@
           <a:p>
             <a:fld id="{56A52284-4F88-684B-B211-7D10E157D84B}" type="datetimeFigureOut">
               <a:rPr lang="en-US" smtClean="0"/>
-              <a:t>3/15/23</a:t>
+              <a:t>3/17/23</a:t>
             </a:fld>
             <a:endParaRPr lang="en-US"/>
           </a:p>
@@ -1139,7 +1140,7 @@
           <a:p>
             <a:fld id="{56A52284-4F88-684B-B211-7D10E157D84B}" type="datetimeFigureOut">
               <a:rPr lang="en-US" smtClean="0"/>
-              <a:t>3/15/23</a:t>
+              <a:t>3/17/23</a:t>
             </a:fld>
             <a:endParaRPr lang="en-US"/>
           </a:p>
@@ -1404,7 +1405,7 @@
           <a:p>
             <a:fld id="{56A52284-4F88-684B-B211-7D10E157D84B}" type="datetimeFigureOut">
               <a:rPr lang="en-US" smtClean="0"/>
-              <a:t>3/15/23</a:t>
+              <a:t>3/17/23</a:t>
             </a:fld>
             <a:endParaRPr lang="en-US"/>
           </a:p>
@@ -1816,7 +1817,7 @@
           <a:p>
             <a:fld id="{56A52284-4F88-684B-B211-7D10E157D84B}" type="datetimeFigureOut">
               <a:rPr lang="en-US" smtClean="0"/>
-              <a:t>3/15/23</a:t>
+              <a:t>3/17/23</a:t>
             </a:fld>
             <a:endParaRPr lang="en-US"/>
           </a:p>
@@ -1957,7 +1958,7 @@
           <a:p>
             <a:fld id="{56A52284-4F88-684B-B211-7D10E157D84B}" type="datetimeFigureOut">
               <a:rPr lang="en-US" smtClean="0"/>
-              <a:t>3/15/23</a:t>
+              <a:t>3/17/23</a:t>
             </a:fld>
             <a:endParaRPr lang="en-US"/>
           </a:p>
@@ -2070,7 +2071,7 @@
           <a:p>
             <a:fld id="{56A52284-4F88-684B-B211-7D10E157D84B}" type="datetimeFigureOut">
               <a:rPr lang="en-US" smtClean="0"/>
-              <a:t>3/15/23</a:t>
+              <a:t>3/17/23</a:t>
             </a:fld>
             <a:endParaRPr lang="en-US"/>
           </a:p>
@@ -2381,7 +2382,7 @@
           <a:p>
             <a:fld id="{56A52284-4F88-684B-B211-7D10E157D84B}" type="datetimeFigureOut">
               <a:rPr lang="en-US" smtClean="0"/>
-              <a:t>3/15/23</a:t>
+              <a:t>3/17/23</a:t>
             </a:fld>
             <a:endParaRPr lang="en-US"/>
           </a:p>
@@ -2672,7 +2673,7 @@
           <a:p>
             <a:fld id="{56A52284-4F88-684B-B211-7D10E157D84B}" type="datetimeFigureOut">
               <a:rPr lang="en-US" smtClean="0"/>
-              <a:t>3/15/23</a:t>
+              <a:t>3/17/23</a:t>
             </a:fld>
             <a:endParaRPr lang="en-US"/>
           </a:p>
@@ -2915,7 +2916,7 @@
             <a:fld id="{56A52284-4F88-684B-B211-7D10E157D84B}" type="datetimeFigureOut">
               <a:rPr lang="en-US" smtClean="0"/>
               <a:pPr/>
-              <a:t>3/15/23</a:t>
+              <a:t>3/17/23</a:t>
             </a:fld>
             <a:endParaRPr lang="en-US"/>
           </a:p>
@@ -8377,6 +8378,99 @@
 </p:sld>
 </file>
 
+<file path=ppt/slides/slide3.xml><?xml version="1.0" encoding="utf-8"?>
+<p:sld xmlns:a="http://schemas.openxmlformats.org/drawingml/2006/main" xmlns:r="http://schemas.openxmlformats.org/officeDocument/2006/relationships" xmlns:p="http://schemas.openxmlformats.org/presentationml/2006/main">
+  <p:cSld>
+    <p:spTree>
+      <p:nvGrpSpPr>
+        <p:cNvPr id="1" name=""/>
+        <p:cNvGrpSpPr/>
+        <p:nvPr/>
+      </p:nvGrpSpPr>
+      <p:grpSpPr>
+        <a:xfrm>
+          <a:off x="0" y="0"/>
+          <a:ext cx="0" cy="0"/>
+          <a:chOff x="0" y="0"/>
+          <a:chExt cx="0" cy="0"/>
+        </a:xfrm>
+      </p:grpSpPr>
+      <p:sp>
+        <p:nvSpPr>
+          <p:cNvPr id="2" name="Rectangle 1">
+            <a:extLst>
+              <a:ext uri="{FF2B5EF4-FFF2-40B4-BE49-F238E27FC236}">
+                <a16:creationId xmlns:a16="http://schemas.microsoft.com/office/drawing/2014/main" id="{E6DAF69D-5969-0619-58DD-489AD8F3C165}"/>
+              </a:ext>
+            </a:extLst>
+          </p:cNvPr>
+          <p:cNvSpPr/>
+          <p:nvPr/>
+        </p:nvSpPr>
+        <p:spPr>
+          <a:xfrm>
+            <a:off x="656217" y="1484555"/>
+            <a:ext cx="2872291" cy="1140311"/>
+          </a:xfrm>
+          <a:prstGeom prst="rect">
+            <a:avLst/>
+          </a:prstGeom>
+          <a:ln>
+            <a:noFill/>
+          </a:ln>
+        </p:spPr>
+        <p:style>
+          <a:lnRef idx="2">
+            <a:schemeClr val="accent1">
+              <a:shade val="50000"/>
+            </a:schemeClr>
+          </a:lnRef>
+          <a:fillRef idx="1">
+            <a:schemeClr val="accent1"/>
+          </a:fillRef>
+          <a:effectRef idx="0">
+            <a:schemeClr val="accent1"/>
+          </a:effectRef>
+          <a:fontRef idx="minor">
+            <a:schemeClr val="lt1"/>
+          </a:fontRef>
+        </p:style>
+        <p:txBody>
+          <a:bodyPr rtlCol="0" anchor="ctr"/>
+          <a:lstStyle/>
+          <a:p>
+            <a:pPr algn="ctr"/>
+            <a:r>
+              <a:rPr lang="en-US" dirty="0">
+                <a:latin typeface="Lato" panose="020F0502020204030203" pitchFamily="34" charset="77"/>
+              </a:rPr>
+              <a:t>All of Us Conditions v6</a:t>
+            </a:r>
+          </a:p>
+          <a:p>
+            <a:pPr algn="ctr"/>
+            <a:r>
+              <a:rPr lang="en-US" dirty="0">
+                <a:latin typeface="Lato" panose="020F0502020204030203" pitchFamily="34" charset="77"/>
+              </a:rPr>
+              <a:t>N = 223,158</a:t>
+            </a:r>
+          </a:p>
+        </p:txBody>
+      </p:sp>
+    </p:spTree>
+    <p:extLst>
+      <p:ext uri="{BB962C8B-B14F-4D97-AF65-F5344CB8AC3E}">
+        <p14:creationId xmlns:p14="http://schemas.microsoft.com/office/powerpoint/2010/main" val="1811681815"/>
+      </p:ext>
+    </p:extLst>
+  </p:cSld>
+  <p:clrMapOvr>
+    <a:masterClrMapping/>
+  </p:clrMapOvr>
+</p:sld>
+</file>
+
 <file path=ppt/theme/theme1.xml><?xml version="1.0" encoding="utf-8"?>
 <a:theme xmlns:a="http://schemas.openxmlformats.org/drawingml/2006/main" name="Office Theme">
   <a:themeElements>
